--- a/presentation/Gym.pptx
+++ b/presentation/Gym.pptx
@@ -10,24 +10,24 @@
   <p:sldIdLst>
     <p:sldId id="256" r:id="rId2"/>
     <p:sldId id="257" r:id="rId3"/>
-    <p:sldId id="260" r:id="rId4"/>
-    <p:sldId id="258" r:id="rId5"/>
-    <p:sldId id="269" r:id="rId6"/>
-    <p:sldId id="271" r:id="rId7"/>
-    <p:sldId id="273" r:id="rId8"/>
-    <p:sldId id="272" r:id="rId9"/>
-    <p:sldId id="274" r:id="rId10"/>
-    <p:sldId id="270" r:id="rId11"/>
-    <p:sldId id="275" r:id="rId12"/>
-    <p:sldId id="278" r:id="rId13"/>
-    <p:sldId id="277" r:id="rId14"/>
-    <p:sldId id="279" r:id="rId15"/>
-    <p:sldId id="281" r:id="rId16"/>
-    <p:sldId id="282" r:id="rId17"/>
-    <p:sldId id="280" r:id="rId18"/>
-    <p:sldId id="284" r:id="rId19"/>
-    <p:sldId id="283" r:id="rId20"/>
-    <p:sldId id="285" r:id="rId21"/>
+    <p:sldId id="281" r:id="rId4"/>
+    <p:sldId id="282" r:id="rId5"/>
+    <p:sldId id="280" r:id="rId6"/>
+    <p:sldId id="284" r:id="rId7"/>
+    <p:sldId id="283" r:id="rId8"/>
+    <p:sldId id="260" r:id="rId9"/>
+    <p:sldId id="258" r:id="rId10"/>
+    <p:sldId id="269" r:id="rId11"/>
+    <p:sldId id="271" r:id="rId12"/>
+    <p:sldId id="273" r:id="rId13"/>
+    <p:sldId id="272" r:id="rId14"/>
+    <p:sldId id="274" r:id="rId15"/>
+    <p:sldId id="278" r:id="rId16"/>
+    <p:sldId id="279" r:id="rId17"/>
+    <p:sldId id="270" r:id="rId18"/>
+    <p:sldId id="277" r:id="rId19"/>
+    <p:sldId id="275" r:id="rId20"/>
+    <p:sldId id="286" r:id="rId21"/>
     <p:sldId id="266" r:id="rId22"/>
   </p:sldIdLst>
   <p:sldSz cx="12192000" cy="6858000"/>
@@ -217,7 +217,7 @@
           <a:p>
             <a:fld id="{8B7BD367-1733-46BF-9B25-3D349CC6C977}" type="datetimeFigureOut">
               <a:rPr lang="bg-BG" smtClean="0"/>
-              <a:t>26.2.2017 г.</a:t>
+              <a:t>18.3.2017 г.</a:t>
             </a:fld>
             <a:endParaRPr lang="bg-BG"/>
           </a:p>
@@ -732,7 +732,7 @@
       </p:grpSpPr>
       <p:sp>
         <p:nvSpPr>
-          <p:cNvPr id="2" name="Slide Image Placeholder 1"/>
+          <p:cNvPr id="2" name="Контейнер за изображение на слайда 1"/>
           <p:cNvSpPr>
             <a:spLocks noGrp="1" noRot="1" noChangeAspect="1"/>
           </p:cNvSpPr>
@@ -744,7 +744,7 @@
       </p:sp>
       <p:sp>
         <p:nvSpPr>
-          <p:cNvPr id="3" name="Notes Placeholder 2"/>
+          <p:cNvPr id="3" name="Контейнер за бележки 2"/>
           <p:cNvSpPr>
             <a:spLocks noGrp="1"/>
           </p:cNvSpPr>
@@ -757,13 +757,13 @@
           <a:bodyPr/>
           <a:lstStyle/>
           <a:p>
-            <a:endParaRPr lang="bg-BG"/>
-          </a:p>
-        </p:txBody>
-      </p:sp>
-      <p:sp>
-        <p:nvSpPr>
-          <p:cNvPr id="4" name="Slide Number Placeholder 3"/>
+            <a:endParaRPr lang="en-GB" dirty="0"/>
+          </a:p>
+        </p:txBody>
+      </p:sp>
+      <p:sp>
+        <p:nvSpPr>
+          <p:cNvPr id="4" name="Контейнер за номер на слайда 3"/>
           <p:cNvSpPr>
             <a:spLocks noGrp="1"/>
           </p:cNvSpPr>
@@ -778,7 +778,7 @@
           <a:p>
             <a:fld id="{49CD56B5-CAED-4D8D-A9AE-E55DFB6E095F}" type="slidenum">
               <a:rPr lang="bg-BG" smtClean="0"/>
-              <a:t>3</a:t>
+              <a:t>4</a:t>
             </a:fld>
             <a:endParaRPr lang="bg-BG"/>
           </a:p>
@@ -787,7 +787,7 @@
     </p:spTree>
     <p:extLst>
       <p:ext uri="{BB962C8B-B14F-4D97-AF65-F5344CB8AC3E}">
-        <p14:creationId xmlns:p14="http://schemas.microsoft.com/office/powerpoint/2010/main" val="2856945425"/>
+        <p14:creationId xmlns:p14="http://schemas.microsoft.com/office/powerpoint/2010/main" val="4250091703"/>
       </p:ext>
     </p:extLst>
   </p:cSld>
@@ -841,7 +841,7 @@
           <a:bodyPr/>
           <a:lstStyle/>
           <a:p>
-            <a:endParaRPr lang="bg-BG" dirty="0"/>
+            <a:endParaRPr lang="bg-BG"/>
           </a:p>
         </p:txBody>
       </p:sp>
@@ -862,7 +862,7 @@
           <a:p>
             <a:fld id="{49CD56B5-CAED-4D8D-A9AE-E55DFB6E095F}" type="slidenum">
               <a:rPr lang="bg-BG" smtClean="0"/>
-              <a:t>4</a:t>
+              <a:t>8</a:t>
             </a:fld>
             <a:endParaRPr lang="bg-BG"/>
           </a:p>
@@ -871,7 +871,7 @@
     </p:spTree>
     <p:extLst>
       <p:ext uri="{BB962C8B-B14F-4D97-AF65-F5344CB8AC3E}">
-        <p14:creationId xmlns:p14="http://schemas.microsoft.com/office/powerpoint/2010/main" val="3840709955"/>
+        <p14:creationId xmlns:p14="http://schemas.microsoft.com/office/powerpoint/2010/main" val="2856945425"/>
       </p:ext>
     </p:extLst>
   </p:cSld>
@@ -946,7 +946,91 @@
           <a:p>
             <a:fld id="{49CD56B5-CAED-4D8D-A9AE-E55DFB6E095F}" type="slidenum">
               <a:rPr lang="bg-BG" smtClean="0"/>
-              <a:t>5</a:t>
+              <a:t>9</a:t>
+            </a:fld>
+            <a:endParaRPr lang="bg-BG"/>
+          </a:p>
+        </p:txBody>
+      </p:sp>
+    </p:spTree>
+    <p:extLst>
+      <p:ext uri="{BB962C8B-B14F-4D97-AF65-F5344CB8AC3E}">
+        <p14:creationId xmlns:p14="http://schemas.microsoft.com/office/powerpoint/2010/main" val="3840709955"/>
+      </p:ext>
+    </p:extLst>
+  </p:cSld>
+  <p:clrMapOvr>
+    <a:masterClrMapping/>
+  </p:clrMapOvr>
+</p:notes>
+</file>
+
+<file path=ppt/notesSlides/notesSlide6.xml><?xml version="1.0" encoding="utf-8"?>
+<p:notes xmlns:a="http://schemas.openxmlformats.org/drawingml/2006/main" xmlns:r="http://schemas.openxmlformats.org/officeDocument/2006/relationships" xmlns:p="http://schemas.openxmlformats.org/presentationml/2006/main">
+  <p:cSld>
+    <p:spTree>
+      <p:nvGrpSpPr>
+        <p:cNvPr id="1" name=""/>
+        <p:cNvGrpSpPr/>
+        <p:nvPr/>
+      </p:nvGrpSpPr>
+      <p:grpSpPr>
+        <a:xfrm>
+          <a:off x="0" y="0"/>
+          <a:ext cx="0" cy="0"/>
+          <a:chOff x="0" y="0"/>
+          <a:chExt cx="0" cy="0"/>
+        </a:xfrm>
+      </p:grpSpPr>
+      <p:sp>
+        <p:nvSpPr>
+          <p:cNvPr id="2" name="Slide Image Placeholder 1"/>
+          <p:cNvSpPr>
+            <a:spLocks noGrp="1" noRot="1" noChangeAspect="1"/>
+          </p:cNvSpPr>
+          <p:nvPr>
+            <p:ph type="sldImg"/>
+          </p:nvPr>
+        </p:nvSpPr>
+        <p:spPr/>
+      </p:sp>
+      <p:sp>
+        <p:nvSpPr>
+          <p:cNvPr id="3" name="Notes Placeholder 2"/>
+          <p:cNvSpPr>
+            <a:spLocks noGrp="1"/>
+          </p:cNvSpPr>
+          <p:nvPr>
+            <p:ph type="body" idx="1"/>
+          </p:nvPr>
+        </p:nvSpPr>
+        <p:spPr/>
+        <p:txBody>
+          <a:bodyPr/>
+          <a:lstStyle/>
+          <a:p>
+            <a:endParaRPr lang="bg-BG" dirty="0"/>
+          </a:p>
+        </p:txBody>
+      </p:sp>
+      <p:sp>
+        <p:nvSpPr>
+          <p:cNvPr id="4" name="Slide Number Placeholder 3"/>
+          <p:cNvSpPr>
+            <a:spLocks noGrp="1"/>
+          </p:cNvSpPr>
+          <p:nvPr>
+            <p:ph type="sldNum" sz="quarter" idx="10"/>
+          </p:nvPr>
+        </p:nvSpPr>
+        <p:spPr/>
+        <p:txBody>
+          <a:bodyPr/>
+          <a:lstStyle/>
+          <a:p>
+            <a:fld id="{49CD56B5-CAED-4D8D-A9AE-E55DFB6E095F}" type="slidenum">
+              <a:rPr lang="bg-BG" smtClean="0"/>
+              <a:t>10</a:t>
             </a:fld>
             <a:endParaRPr lang="bg-BG"/>
           </a:p>
@@ -965,7 +1049,7 @@
 </p:notes>
 </file>
 
-<file path=ppt/notesSlides/notesSlide6.xml><?xml version="1.0" encoding="utf-8"?>
+<file path=ppt/notesSlides/notesSlide7.xml><?xml version="1.0" encoding="utf-8"?>
 <p:notes xmlns:a="http://schemas.openxmlformats.org/drawingml/2006/main" xmlns:r="http://schemas.openxmlformats.org/officeDocument/2006/relationships" xmlns:p="http://schemas.openxmlformats.org/presentationml/2006/main">
   <p:cSld>
     <p:spTree>
@@ -1237,7 +1321,7 @@
           <a:p>
             <a:fld id="{9569D647-AD7F-447C-8392-AE1409EAC780}" type="datetimeFigureOut">
               <a:rPr lang="bg-BG" smtClean="0"/>
-              <a:t>26.2.2017 г.</a:t>
+              <a:t>18.3.2017 г.</a:t>
             </a:fld>
             <a:endParaRPr lang="bg-BG"/>
           </a:p>
@@ -1599,7 +1683,7 @@
           <a:p>
             <a:fld id="{9569D647-AD7F-447C-8392-AE1409EAC780}" type="datetimeFigureOut">
               <a:rPr lang="bg-BG" smtClean="0"/>
-              <a:t>26.2.2017 г.</a:t>
+              <a:t>18.3.2017 г.</a:t>
             </a:fld>
             <a:endParaRPr lang="bg-BG"/>
           </a:p>
@@ -2000,7 +2084,7 @@
           <a:p>
             <a:fld id="{9569D647-AD7F-447C-8392-AE1409EAC780}" type="datetimeFigureOut">
               <a:rPr lang="bg-BG" smtClean="0"/>
-              <a:t>26.2.2017 г.</a:t>
+              <a:t>18.3.2017 г.</a:t>
             </a:fld>
             <a:endParaRPr lang="bg-BG"/>
           </a:p>
@@ -2336,7 +2420,7 @@
           <a:p>
             <a:fld id="{9569D647-AD7F-447C-8392-AE1409EAC780}" type="datetimeFigureOut">
               <a:rPr lang="bg-BG" smtClean="0"/>
-              <a:t>26.2.2017 г.</a:t>
+              <a:t>18.3.2017 г.</a:t>
             </a:fld>
             <a:endParaRPr lang="bg-BG"/>
           </a:p>
@@ -2656,7 +2740,7 @@
           <a:p>
             <a:fld id="{9569D647-AD7F-447C-8392-AE1409EAC780}" type="datetimeFigureOut">
               <a:rPr lang="bg-BG" smtClean="0"/>
-              <a:t>26.2.2017 г.</a:t>
+              <a:t>18.3.2017 г.</a:t>
             </a:fld>
             <a:endParaRPr lang="bg-BG"/>
           </a:p>
@@ -3052,7 +3136,7 @@
           <a:p>
             <a:fld id="{9569D647-AD7F-447C-8392-AE1409EAC780}" type="datetimeFigureOut">
               <a:rPr lang="bg-BG" smtClean="0"/>
-              <a:t>26.2.2017 г.</a:t>
+              <a:t>18.3.2017 г.</a:t>
             </a:fld>
             <a:endParaRPr lang="bg-BG"/>
           </a:p>
@@ -3309,7 +3393,7 @@
           <a:p>
             <a:fld id="{9569D647-AD7F-447C-8392-AE1409EAC780}" type="datetimeFigureOut">
               <a:rPr lang="bg-BG" smtClean="0"/>
-              <a:t>26.2.2017 г.</a:t>
+              <a:t>18.3.2017 г.</a:t>
             </a:fld>
             <a:endParaRPr lang="bg-BG"/>
           </a:p>
@@ -3571,7 +3655,7 @@
           <a:p>
             <a:fld id="{9569D647-AD7F-447C-8392-AE1409EAC780}" type="datetimeFigureOut">
               <a:rPr lang="bg-BG" smtClean="0"/>
-              <a:t>26.2.2017 г.</a:t>
+              <a:t>18.3.2017 г.</a:t>
             </a:fld>
             <a:endParaRPr lang="bg-BG"/>
           </a:p>
@@ -3833,7 +3917,7 @@
           <a:p>
             <a:fld id="{9569D647-AD7F-447C-8392-AE1409EAC780}" type="datetimeFigureOut">
               <a:rPr lang="bg-BG" smtClean="0"/>
-              <a:t>26.2.2017 г.</a:t>
+              <a:t>18.3.2017 г.</a:t>
             </a:fld>
             <a:endParaRPr lang="bg-BG"/>
           </a:p>
@@ -4162,7 +4246,7 @@
           <a:p>
             <a:fld id="{9569D647-AD7F-447C-8392-AE1409EAC780}" type="datetimeFigureOut">
               <a:rPr lang="bg-BG" smtClean="0"/>
-              <a:t>26.2.2017 г.</a:t>
+              <a:t>18.3.2017 г.</a:t>
             </a:fld>
             <a:endParaRPr lang="bg-BG"/>
           </a:p>
@@ -4485,7 +4569,7 @@
           <a:p>
             <a:fld id="{9569D647-AD7F-447C-8392-AE1409EAC780}" type="datetimeFigureOut">
               <a:rPr lang="bg-BG" smtClean="0"/>
-              <a:t>26.2.2017 г.</a:t>
+              <a:t>18.3.2017 г.</a:t>
             </a:fld>
             <a:endParaRPr lang="bg-BG"/>
           </a:p>
@@ -4942,7 +5026,7 @@
           <a:p>
             <a:fld id="{9569D647-AD7F-447C-8392-AE1409EAC780}" type="datetimeFigureOut">
               <a:rPr lang="bg-BG" smtClean="0"/>
-              <a:t>26.2.2017 г.</a:t>
+              <a:t>18.3.2017 г.</a:t>
             </a:fld>
             <a:endParaRPr lang="bg-BG"/>
           </a:p>
@@ -5147,7 +5231,7 @@
           <a:p>
             <a:fld id="{9569D647-AD7F-447C-8392-AE1409EAC780}" type="datetimeFigureOut">
               <a:rPr lang="bg-BG" smtClean="0"/>
-              <a:t>26.2.2017 г.</a:t>
+              <a:t>18.3.2017 г.</a:t>
             </a:fld>
             <a:endParaRPr lang="bg-BG"/>
           </a:p>
@@ -5324,7 +5408,7 @@
           <a:p>
             <a:fld id="{9569D647-AD7F-447C-8392-AE1409EAC780}" type="datetimeFigureOut">
               <a:rPr lang="bg-BG" smtClean="0"/>
-              <a:t>26.2.2017 г.</a:t>
+              <a:t>18.3.2017 г.</a:t>
             </a:fld>
             <a:endParaRPr lang="bg-BG"/>
           </a:p>
@@ -5657,7 +5741,7 @@
           <a:p>
             <a:fld id="{9569D647-AD7F-447C-8392-AE1409EAC780}" type="datetimeFigureOut">
               <a:rPr lang="bg-BG" smtClean="0"/>
-              <a:t>26.2.2017 г.</a:t>
+              <a:t>18.3.2017 г.</a:t>
             </a:fld>
             <a:endParaRPr lang="bg-BG"/>
           </a:p>
@@ -6002,7 +6086,7 @@
           <a:p>
             <a:fld id="{9569D647-AD7F-447C-8392-AE1409EAC780}" type="datetimeFigureOut">
               <a:rPr lang="bg-BG" smtClean="0"/>
-              <a:t>26.2.2017 г.</a:t>
+              <a:t>18.3.2017 г.</a:t>
             </a:fld>
             <a:endParaRPr lang="bg-BG"/>
           </a:p>
@@ -8119,7 +8203,7 @@
           <a:p>
             <a:fld id="{9569D647-AD7F-447C-8392-AE1409EAC780}" type="datetimeFigureOut">
               <a:rPr lang="bg-BG" smtClean="0"/>
-              <a:t>26.2.2017 г.</a:t>
+              <a:t>18.3.2017 г.</a:t>
             </a:fld>
             <a:endParaRPr lang="bg-BG"/>
           </a:p>
@@ -8713,19 +8797,15 @@
             </a:r>
             <a:r>
               <a:rPr lang="en-GB" dirty="0"/>
-              <a:t>. </a:t>
+              <a:t>. Adelina </a:t>
             </a:r>
             <a:r>
               <a:rPr lang="en-GB" dirty="0" err="1"/>
-              <a:t>Stoyan</a:t>
+              <a:t>Aleksieva</a:t>
             </a:r>
             <a:r>
               <a:rPr lang="en-GB" dirty="0"/>
-              <a:t> </a:t>
-            </a:r>
-            <a:r>
-              <a:rPr lang="en-GB" dirty="0" err="1"/>
-              <a:t>Maleshkov</a:t>
+              <a:t>-Petrova</a:t>
             </a:r>
             <a:endParaRPr lang="bg-BG" dirty="0"/>
           </a:p>
@@ -8916,7 +8996,7 @@
       </p:grpSpPr>
       <p:sp>
         <p:nvSpPr>
-          <p:cNvPr id="2" name="Заглавие 1"/>
+          <p:cNvPr id="2" name="Title 1"/>
           <p:cNvSpPr>
             <a:spLocks noGrp="1"/>
           </p:cNvSpPr>
@@ -8931,1988 +9011,7 @@
           <a:p>
             <a:r>
               <a:rPr lang="en-US" dirty="0" err="1"/>
-              <a:t>Sicherheitsüberprüfungen</a:t>
-            </a:r>
-            <a:endParaRPr lang="en-US" dirty="0"/>
-          </a:p>
-        </p:txBody>
-      </p:sp>
-      <p:sp>
-        <p:nvSpPr>
-          <p:cNvPr id="9" name="Контейнер за съдържание 8"/>
-          <p:cNvSpPr>
-            <a:spLocks noGrp="1"/>
-          </p:cNvSpPr>
-          <p:nvPr>
-            <p:ph idx="1"/>
-          </p:nvPr>
-        </p:nvSpPr>
-        <p:spPr/>
-        <p:txBody>
-          <a:bodyPr/>
-          <a:lstStyle/>
-          <a:p>
-            <a:r>
-              <a:rPr lang="de-DE" dirty="0"/>
-              <a:t>CORS</a:t>
-            </a:r>
-          </a:p>
-          <a:p>
-            <a:r>
-              <a:rPr lang="de-DE" dirty="0"/>
-              <a:t>Authentifizierung (mit Claims)</a:t>
-            </a:r>
-          </a:p>
-          <a:p>
-            <a:pPr lvl="1"/>
-            <a:r>
-              <a:rPr lang="de-DE" dirty="0"/>
-              <a:t>Durch Cookies</a:t>
-            </a:r>
-          </a:p>
-          <a:p>
-            <a:r>
-              <a:rPr lang="de-DE" dirty="0"/>
-              <a:t>Identity mit Rollen</a:t>
-            </a:r>
-          </a:p>
-          <a:p>
-            <a:endParaRPr lang="en-GB" dirty="0"/>
-          </a:p>
-        </p:txBody>
-      </p:sp>
-      <p:pic>
-        <p:nvPicPr>
-          <p:cNvPr id="10" name="Картина 9"/>
-          <p:cNvPicPr>
-            <a:picLocks noChangeAspect="1"/>
-          </p:cNvPicPr>
-          <p:nvPr/>
-        </p:nvPicPr>
-        <p:blipFill>
-          <a:blip r:embed="rId2" cstate="print">
-            <a:extLst>
-              <a:ext uri="{28A0092B-C50C-407E-A947-70E740481C1C}">
-                <a14:useLocalDpi xmlns:a14="http://schemas.microsoft.com/office/drawing/2010/main" val="0"/>
-              </a:ext>
-            </a:extLst>
-          </a:blip>
-          <a:stretch>
-            <a:fillRect/>
-          </a:stretch>
-        </p:blipFill>
-        <p:spPr>
-          <a:xfrm>
-            <a:off x="6922673" y="3333881"/>
-            <a:ext cx="4581939" cy="2577341"/>
-          </a:xfrm>
-          <a:prstGeom prst="rect">
-            <a:avLst/>
-          </a:prstGeom>
-        </p:spPr>
-      </p:pic>
-    </p:spTree>
-    <p:extLst>
-      <p:ext uri="{BB962C8B-B14F-4D97-AF65-F5344CB8AC3E}">
-        <p14:creationId xmlns:p14="http://schemas.microsoft.com/office/powerpoint/2010/main" val="2852198160"/>
-      </p:ext>
-    </p:extLst>
-  </p:cSld>
-  <p:clrMapOvr>
-    <a:masterClrMapping/>
-  </p:clrMapOvr>
-</p:sld>
-</file>
-
-<file path=ppt/slides/slide11.xml><?xml version="1.0" encoding="utf-8"?>
-<p:sld xmlns:a="http://schemas.openxmlformats.org/drawingml/2006/main" xmlns:r="http://schemas.openxmlformats.org/officeDocument/2006/relationships" xmlns:p="http://schemas.openxmlformats.org/presentationml/2006/main">
-  <p:cSld>
-    <p:spTree>
-      <p:nvGrpSpPr>
-        <p:cNvPr id="1" name=""/>
-        <p:cNvGrpSpPr/>
-        <p:nvPr/>
-      </p:nvGrpSpPr>
-      <p:grpSpPr>
-        <a:xfrm>
-          <a:off x="0" y="0"/>
-          <a:ext cx="0" cy="0"/>
-          <a:chOff x="0" y="0"/>
-          <a:chExt cx="0" cy="0"/>
-        </a:xfrm>
-      </p:grpSpPr>
-      <p:sp>
-        <p:nvSpPr>
-          <p:cNvPr id="2" name="Заглавие 1"/>
-          <p:cNvSpPr>
-            <a:spLocks noGrp="1"/>
-          </p:cNvSpPr>
-          <p:nvPr>
-            <p:ph type="title"/>
-          </p:nvPr>
-        </p:nvSpPr>
-        <p:spPr/>
-        <p:txBody>
-          <a:bodyPr/>
-          <a:lstStyle/>
-          <a:p>
-            <a:r>
-              <a:rPr lang="en-US" dirty="0"/>
-              <a:t>Pipeline </a:t>
-            </a:r>
-          </a:p>
-        </p:txBody>
-      </p:sp>
-      <p:pic>
-        <p:nvPicPr>
-          <p:cNvPr id="5" name="Контейнер за съдържание 4"/>
-          <p:cNvPicPr>
-            <a:picLocks noGrp="1" noChangeAspect="1"/>
-          </p:cNvPicPr>
-          <p:nvPr>
-            <p:ph idx="1"/>
-          </p:nvPr>
-        </p:nvPicPr>
-        <p:blipFill>
-          <a:blip r:embed="rId2">
-            <a:extLst>
-              <a:ext uri="{28A0092B-C50C-407E-A947-70E740481C1C}">
-                <a14:useLocalDpi xmlns:a14="http://schemas.microsoft.com/office/drawing/2010/main" val="0"/>
-              </a:ext>
-            </a:extLst>
-          </a:blip>
-          <a:stretch>
-            <a:fillRect/>
-          </a:stretch>
-        </p:blipFill>
-        <p:spPr>
-          <a:xfrm>
-            <a:off x="1534023" y="896806"/>
-            <a:ext cx="8524376" cy="6393283"/>
-          </a:xfrm>
-        </p:spPr>
-      </p:pic>
-    </p:spTree>
-    <p:extLst>
-      <p:ext uri="{BB962C8B-B14F-4D97-AF65-F5344CB8AC3E}">
-        <p14:creationId xmlns:p14="http://schemas.microsoft.com/office/powerpoint/2010/main" val="3175857524"/>
-      </p:ext>
-    </p:extLst>
-  </p:cSld>
-  <p:clrMapOvr>
-    <a:masterClrMapping/>
-  </p:clrMapOvr>
-</p:sld>
-</file>
-
-<file path=ppt/slides/slide12.xml><?xml version="1.0" encoding="utf-8"?>
-<p:sld xmlns:a="http://schemas.openxmlformats.org/drawingml/2006/main" xmlns:r="http://schemas.openxmlformats.org/officeDocument/2006/relationships" xmlns:p="http://schemas.openxmlformats.org/presentationml/2006/main">
-  <p:cSld>
-    <p:spTree>
-      <p:nvGrpSpPr>
-        <p:cNvPr id="1" name=""/>
-        <p:cNvGrpSpPr/>
-        <p:nvPr/>
-      </p:nvGrpSpPr>
-      <p:grpSpPr>
-        <a:xfrm>
-          <a:off x="0" y="0"/>
-          <a:ext cx="0" cy="0"/>
-          <a:chOff x="0" y="0"/>
-          <a:chExt cx="0" cy="0"/>
-        </a:xfrm>
-      </p:grpSpPr>
-      <p:sp>
-        <p:nvSpPr>
-          <p:cNvPr id="2" name="Заглавие 1"/>
-          <p:cNvSpPr>
-            <a:spLocks noGrp="1"/>
-          </p:cNvSpPr>
-          <p:nvPr>
-            <p:ph type="title"/>
-          </p:nvPr>
-        </p:nvSpPr>
-        <p:spPr/>
-        <p:txBody>
-          <a:bodyPr/>
-          <a:lstStyle/>
-          <a:p>
-            <a:r>
-              <a:rPr lang="en-US" dirty="0" err="1"/>
-              <a:t>DatenbankTier</a:t>
-            </a:r>
-            <a:endParaRPr lang="en-GB" dirty="0"/>
-          </a:p>
-        </p:txBody>
-      </p:sp>
-      <p:sp>
-        <p:nvSpPr>
-          <p:cNvPr id="3" name="Контейнер за съдържание 2"/>
-          <p:cNvSpPr>
-            <a:spLocks noGrp="1"/>
-          </p:cNvSpPr>
-          <p:nvPr>
-            <p:ph idx="1"/>
-          </p:nvPr>
-        </p:nvSpPr>
-        <p:spPr>
-          <a:xfrm>
-            <a:off x="2592925" y="2124546"/>
-            <a:ext cx="8915400" cy="3777622"/>
-          </a:xfrm>
-        </p:spPr>
-        <p:txBody>
-          <a:bodyPr/>
-          <a:lstStyle/>
-          <a:p>
-            <a:r>
-              <a:rPr lang="en-US" dirty="0" err="1"/>
-              <a:t>Realisiret</a:t>
-            </a:r>
-            <a:r>
-              <a:rPr lang="en-US" dirty="0"/>
-              <a:t> </a:t>
-            </a:r>
-            <a:r>
-              <a:rPr lang="en-US" dirty="0" err="1"/>
-              <a:t>mit</a:t>
-            </a:r>
-            <a:r>
-              <a:rPr lang="en-US" dirty="0"/>
-              <a:t> EF Core ORM</a:t>
-            </a:r>
-          </a:p>
-          <a:p>
-            <a:pPr lvl="1"/>
-            <a:r>
-              <a:rPr lang="en-GB" dirty="0" err="1"/>
-              <a:t>Liefert</a:t>
-            </a:r>
-            <a:r>
-              <a:rPr lang="en-GB" dirty="0"/>
-              <a:t> </a:t>
-            </a:r>
-            <a:r>
-              <a:rPr lang="en-GB" dirty="0" err="1"/>
-              <a:t>Abstraktion</a:t>
-            </a:r>
-            <a:r>
-              <a:rPr lang="en-GB" dirty="0"/>
-              <a:t> von </a:t>
-            </a:r>
-            <a:r>
-              <a:rPr lang="en-GB" dirty="0" err="1"/>
-              <a:t>Datenbank</a:t>
-            </a:r>
-            <a:endParaRPr lang="en-GB" dirty="0"/>
-          </a:p>
-          <a:p>
-            <a:pPr lvl="1"/>
-            <a:r>
-              <a:rPr lang="en-US" dirty="0" err="1"/>
-              <a:t>Datenbank</a:t>
-            </a:r>
-            <a:r>
-              <a:rPr lang="en-US" dirty="0"/>
-              <a:t> </a:t>
-            </a:r>
-            <a:r>
-              <a:rPr lang="en-US" dirty="0" err="1"/>
-              <a:t>kann</a:t>
-            </a:r>
-            <a:r>
-              <a:rPr lang="en-US" dirty="0"/>
-              <a:t> </a:t>
-            </a:r>
-            <a:r>
-              <a:rPr lang="en-US" dirty="0" err="1"/>
-              <a:t>InMemory</a:t>
-            </a:r>
-            <a:r>
-              <a:rPr lang="en-US" dirty="0"/>
-              <a:t>, </a:t>
-            </a:r>
-            <a:r>
-              <a:rPr lang="en-US" dirty="0" err="1"/>
-              <a:t>MySql</a:t>
-            </a:r>
-            <a:r>
-              <a:rPr lang="en-US" dirty="0"/>
-              <a:t>.. sein</a:t>
-            </a:r>
-          </a:p>
-          <a:p>
-            <a:pPr lvl="1"/>
-            <a:r>
-              <a:rPr lang="en-US" dirty="0"/>
-              <a:t>LINQ</a:t>
-            </a:r>
-          </a:p>
-          <a:p>
-            <a:endParaRPr lang="en-GB" dirty="0"/>
-          </a:p>
-        </p:txBody>
-      </p:sp>
-      <p:pic>
-        <p:nvPicPr>
-          <p:cNvPr id="5" name="Картина 4"/>
-          <p:cNvPicPr>
-            <a:picLocks noChangeAspect="1"/>
-          </p:cNvPicPr>
-          <p:nvPr/>
-        </p:nvPicPr>
-        <p:blipFill>
-          <a:blip r:embed="rId2">
-            <a:extLst>
-              <a:ext uri="{28A0092B-C50C-407E-A947-70E740481C1C}">
-                <a14:useLocalDpi xmlns:a14="http://schemas.microsoft.com/office/drawing/2010/main" val="0"/>
-              </a:ext>
-            </a:extLst>
-          </a:blip>
-          <a:stretch>
-            <a:fillRect/>
-          </a:stretch>
-        </p:blipFill>
-        <p:spPr>
-          <a:xfrm>
-            <a:off x="3546899" y="4557120"/>
-            <a:ext cx="1569115" cy="1564594"/>
-          </a:xfrm>
-          <a:prstGeom prst="rect">
-            <a:avLst/>
-          </a:prstGeom>
-        </p:spPr>
-      </p:pic>
-      <p:pic>
-        <p:nvPicPr>
-          <p:cNvPr id="6" name="Картина 5"/>
-          <p:cNvPicPr>
-            <a:picLocks noChangeAspect="1"/>
-          </p:cNvPicPr>
-          <p:nvPr/>
-        </p:nvPicPr>
-        <p:blipFill>
-          <a:blip r:embed="rId3">
-            <a:extLst>
-              <a:ext uri="{28A0092B-C50C-407E-A947-70E740481C1C}">
-                <a14:useLocalDpi xmlns:a14="http://schemas.microsoft.com/office/drawing/2010/main" val="0"/>
-              </a:ext>
-            </a:extLst>
-          </a:blip>
-          <a:stretch>
-            <a:fillRect/>
-          </a:stretch>
-        </p:blipFill>
-        <p:spPr>
-          <a:xfrm>
-            <a:off x="7268801" y="1582302"/>
-            <a:ext cx="4588897" cy="4319866"/>
-          </a:xfrm>
-          <a:prstGeom prst="rect">
-            <a:avLst/>
-          </a:prstGeom>
-        </p:spPr>
-      </p:pic>
-    </p:spTree>
-    <p:extLst>
-      <p:ext uri="{BB962C8B-B14F-4D97-AF65-F5344CB8AC3E}">
-        <p14:creationId xmlns:p14="http://schemas.microsoft.com/office/powerpoint/2010/main" val="3008541140"/>
-      </p:ext>
-    </p:extLst>
-  </p:cSld>
-  <p:clrMapOvr>
-    <a:masterClrMapping/>
-  </p:clrMapOvr>
-</p:sld>
-</file>
-
-<file path=ppt/slides/slide13.xml><?xml version="1.0" encoding="utf-8"?>
-<p:sld xmlns:a="http://schemas.openxmlformats.org/drawingml/2006/main" xmlns:r="http://schemas.openxmlformats.org/officeDocument/2006/relationships" xmlns:p="http://schemas.openxmlformats.org/presentationml/2006/main">
-  <p:cSld>
-    <p:spTree>
-      <p:nvGrpSpPr>
-        <p:cNvPr id="1" name=""/>
-        <p:cNvGrpSpPr/>
-        <p:nvPr/>
-      </p:nvGrpSpPr>
-      <p:grpSpPr>
-        <a:xfrm>
-          <a:off x="0" y="0"/>
-          <a:ext cx="0" cy="0"/>
-          <a:chOff x="0" y="0"/>
-          <a:chExt cx="0" cy="0"/>
-        </a:xfrm>
-      </p:grpSpPr>
-      <p:sp>
-        <p:nvSpPr>
-          <p:cNvPr id="2" name="Заглавие 1"/>
-          <p:cNvSpPr>
-            <a:spLocks noGrp="1"/>
-          </p:cNvSpPr>
-          <p:nvPr>
-            <p:ph type="title"/>
-          </p:nvPr>
-        </p:nvSpPr>
-        <p:spPr/>
-        <p:txBody>
-          <a:bodyPr/>
-          <a:lstStyle/>
-          <a:p>
-            <a:r>
-              <a:rPr lang="en-US" dirty="0"/>
-              <a:t>Identity model schema</a:t>
-            </a:r>
-            <a:endParaRPr lang="en-GB" dirty="0"/>
-          </a:p>
-        </p:txBody>
-      </p:sp>
-      <p:pic>
-        <p:nvPicPr>
-          <p:cNvPr id="5" name="Контейнер за съдържание 4"/>
-          <p:cNvPicPr>
-            <a:picLocks noGrp="1" noChangeAspect="1"/>
-          </p:cNvPicPr>
-          <p:nvPr>
-            <p:ph idx="1"/>
-          </p:nvPr>
-        </p:nvPicPr>
-        <p:blipFill>
-          <a:blip r:embed="rId2">
-            <a:extLst>
-              <a:ext uri="{28A0092B-C50C-407E-A947-70E740481C1C}">
-                <a14:useLocalDpi xmlns:a14="http://schemas.microsoft.com/office/drawing/2010/main" val="0"/>
-              </a:ext>
-            </a:extLst>
-          </a:blip>
-          <a:stretch>
-            <a:fillRect/>
-          </a:stretch>
-        </p:blipFill>
-        <p:spPr>
-          <a:xfrm>
-            <a:off x="1248166" y="624110"/>
-            <a:ext cx="9038833" cy="6779126"/>
-          </a:xfrm>
-        </p:spPr>
-      </p:pic>
-    </p:spTree>
-    <p:extLst>
-      <p:ext uri="{BB962C8B-B14F-4D97-AF65-F5344CB8AC3E}">
-        <p14:creationId xmlns:p14="http://schemas.microsoft.com/office/powerpoint/2010/main" val="1319522759"/>
-      </p:ext>
-    </p:extLst>
-  </p:cSld>
-  <p:clrMapOvr>
-    <a:masterClrMapping/>
-  </p:clrMapOvr>
-</p:sld>
-</file>
-
-<file path=ppt/slides/slide14.xml><?xml version="1.0" encoding="utf-8"?>
-<p:sld xmlns:a="http://schemas.openxmlformats.org/drawingml/2006/main" xmlns:r="http://schemas.openxmlformats.org/officeDocument/2006/relationships" xmlns:p="http://schemas.openxmlformats.org/presentationml/2006/main">
-  <p:cSld>
-    <p:spTree>
-      <p:nvGrpSpPr>
-        <p:cNvPr id="1" name=""/>
-        <p:cNvGrpSpPr/>
-        <p:nvPr/>
-      </p:nvGrpSpPr>
-      <p:grpSpPr>
-        <a:xfrm>
-          <a:off x="0" y="0"/>
-          <a:ext cx="0" cy="0"/>
-          <a:chOff x="0" y="0"/>
-          <a:chExt cx="0" cy="0"/>
-        </a:xfrm>
-      </p:grpSpPr>
-      <p:sp>
-        <p:nvSpPr>
-          <p:cNvPr id="2" name="Заглавие 1"/>
-          <p:cNvSpPr>
-            <a:spLocks noGrp="1"/>
-          </p:cNvSpPr>
-          <p:nvPr>
-            <p:ph type="title"/>
-          </p:nvPr>
-        </p:nvSpPr>
-        <p:spPr/>
-        <p:txBody>
-          <a:bodyPr/>
-          <a:lstStyle/>
-          <a:p>
-            <a:r>
-              <a:rPr lang="en-US" dirty="0" err="1"/>
-              <a:t>AnwendungsSchema</a:t>
-            </a:r>
-            <a:endParaRPr lang="en-GB" dirty="0"/>
-          </a:p>
-        </p:txBody>
-      </p:sp>
-      <p:pic>
-        <p:nvPicPr>
-          <p:cNvPr id="4" name="Контейнер за съдържание 3"/>
-          <p:cNvPicPr>
-            <a:picLocks noGrp="1" noChangeAspect="1"/>
-          </p:cNvPicPr>
-          <p:nvPr>
-            <p:ph idx="1"/>
-          </p:nvPr>
-        </p:nvPicPr>
-        <p:blipFill>
-          <a:blip r:embed="rId2">
-            <a:extLst>
-              <a:ext uri="{28A0092B-C50C-407E-A947-70E740481C1C}">
-                <a14:useLocalDpi xmlns:a14="http://schemas.microsoft.com/office/drawing/2010/main" val="0"/>
-              </a:ext>
-            </a:extLst>
-          </a:blip>
-          <a:stretch>
-            <a:fillRect/>
-          </a:stretch>
-        </p:blipFill>
-        <p:spPr>
-          <a:xfrm>
-            <a:off x="2592925" y="1905000"/>
-            <a:ext cx="7415779" cy="4405047"/>
-          </a:xfrm>
-        </p:spPr>
-      </p:pic>
-    </p:spTree>
-    <p:extLst>
-      <p:ext uri="{BB962C8B-B14F-4D97-AF65-F5344CB8AC3E}">
-        <p14:creationId xmlns:p14="http://schemas.microsoft.com/office/powerpoint/2010/main" val="2983285613"/>
-      </p:ext>
-    </p:extLst>
-  </p:cSld>
-  <p:clrMapOvr>
-    <a:masterClrMapping/>
-  </p:clrMapOvr>
-</p:sld>
-</file>
-
-<file path=ppt/slides/slide15.xml><?xml version="1.0" encoding="utf-8"?>
-<p:sld xmlns:a="http://schemas.openxmlformats.org/drawingml/2006/main" xmlns:r="http://schemas.openxmlformats.org/officeDocument/2006/relationships" xmlns:p="http://schemas.openxmlformats.org/presentationml/2006/main">
-  <p:cSld>
-    <p:spTree>
-      <p:nvGrpSpPr>
-        <p:cNvPr id="1" name=""/>
-        <p:cNvGrpSpPr/>
-        <p:nvPr/>
-      </p:nvGrpSpPr>
-      <p:grpSpPr>
-        <a:xfrm>
-          <a:off x="0" y="0"/>
-          <a:ext cx="0" cy="0"/>
-          <a:chOff x="0" y="0"/>
-          <a:chExt cx="0" cy="0"/>
-        </a:xfrm>
-      </p:grpSpPr>
-      <p:sp>
-        <p:nvSpPr>
-          <p:cNvPr id="2" name="Заглавие 1"/>
-          <p:cNvSpPr>
-            <a:spLocks noGrp="1"/>
-          </p:cNvSpPr>
-          <p:nvPr>
-            <p:ph type="title"/>
-          </p:nvPr>
-        </p:nvSpPr>
-        <p:spPr/>
-        <p:txBody>
-          <a:bodyPr/>
-          <a:lstStyle/>
-          <a:p>
-            <a:r>
-              <a:rPr lang="en-US" dirty="0" err="1"/>
-              <a:t>Anmeldung</a:t>
-            </a:r>
-            <a:endParaRPr lang="en-GB" dirty="0"/>
-          </a:p>
-        </p:txBody>
-      </p:sp>
-      <p:sp>
-        <p:nvSpPr>
-          <p:cNvPr id="3" name="Контейнер за съдържание 2"/>
-          <p:cNvSpPr>
-            <a:spLocks noGrp="1"/>
-          </p:cNvSpPr>
-          <p:nvPr>
-            <p:ph idx="1"/>
-          </p:nvPr>
-        </p:nvSpPr>
-        <p:spPr/>
-        <p:txBody>
-          <a:bodyPr/>
-          <a:lstStyle/>
-          <a:p>
-            <a:r>
-              <a:rPr lang="en-US" dirty="0" err="1"/>
-              <a:t>Für</a:t>
-            </a:r>
-            <a:r>
-              <a:rPr lang="en-US" dirty="0"/>
-              <a:t> </a:t>
-            </a:r>
-            <a:r>
-              <a:rPr lang="en-US" dirty="0" err="1"/>
-              <a:t>nicht</a:t>
-            </a:r>
-            <a:r>
-              <a:rPr lang="en-US" dirty="0"/>
-              <a:t> </a:t>
-            </a:r>
-            <a:r>
-              <a:rPr lang="en-US" dirty="0" err="1"/>
-              <a:t>bestehende</a:t>
-            </a:r>
-            <a:r>
-              <a:rPr lang="en-US" dirty="0"/>
-              <a:t> </a:t>
-            </a:r>
-            <a:r>
-              <a:rPr lang="en-US" dirty="0" err="1"/>
-              <a:t>Benutzer</a:t>
-            </a:r>
-            <a:endParaRPr lang="en-US" dirty="0"/>
-          </a:p>
-          <a:p>
-            <a:r>
-              <a:rPr lang="en-US" dirty="0" err="1"/>
-              <a:t>Zukünftige</a:t>
-            </a:r>
-            <a:r>
-              <a:rPr lang="en-US" dirty="0"/>
-              <a:t> </a:t>
-            </a:r>
-            <a:r>
-              <a:rPr lang="en-US" dirty="0" err="1"/>
-              <a:t>Arbeit</a:t>
-            </a:r>
-            <a:endParaRPr lang="en-US" dirty="0"/>
-          </a:p>
-          <a:p>
-            <a:pPr lvl="1"/>
-            <a:r>
-              <a:rPr lang="en-US" dirty="0" err="1"/>
-              <a:t>Anmelden</a:t>
-            </a:r>
-            <a:r>
-              <a:rPr lang="en-US" dirty="0"/>
-              <a:t> </a:t>
-            </a:r>
-            <a:r>
-              <a:rPr lang="en-US" dirty="0" err="1"/>
-              <a:t>mit</a:t>
-            </a:r>
-            <a:r>
-              <a:rPr lang="en-US" dirty="0"/>
-              <a:t> Google, FB</a:t>
-            </a:r>
-            <a:endParaRPr lang="en-GB" dirty="0"/>
-          </a:p>
-        </p:txBody>
-      </p:sp>
-      <p:pic>
-        <p:nvPicPr>
-          <p:cNvPr id="5" name="Picture 28"/>
-          <p:cNvPicPr/>
-          <p:nvPr/>
-        </p:nvPicPr>
-        <p:blipFill>
-          <a:blip r:embed="rId2">
-            <a:extLst>
-              <a:ext uri="{28A0092B-C50C-407E-A947-70E740481C1C}">
-                <a14:useLocalDpi xmlns:a14="http://schemas.microsoft.com/office/drawing/2010/main" val="0"/>
-              </a:ext>
-            </a:extLst>
-          </a:blip>
-          <a:stretch>
-            <a:fillRect/>
-          </a:stretch>
-        </p:blipFill>
-        <p:spPr>
-          <a:xfrm>
-            <a:off x="6132472" y="2195837"/>
-            <a:ext cx="5731510" cy="3943985"/>
-          </a:xfrm>
-          <a:prstGeom prst="rect">
-            <a:avLst/>
-          </a:prstGeom>
-        </p:spPr>
-      </p:pic>
-    </p:spTree>
-    <p:extLst>
-      <p:ext uri="{BB962C8B-B14F-4D97-AF65-F5344CB8AC3E}">
-        <p14:creationId xmlns:p14="http://schemas.microsoft.com/office/powerpoint/2010/main" val="1930221782"/>
-      </p:ext>
-    </p:extLst>
-  </p:cSld>
-  <p:clrMapOvr>
-    <a:masterClrMapping/>
-  </p:clrMapOvr>
-</p:sld>
-</file>
-
-<file path=ppt/slides/slide16.xml><?xml version="1.0" encoding="utf-8"?>
-<p:sld xmlns:a="http://schemas.openxmlformats.org/drawingml/2006/main" xmlns:r="http://schemas.openxmlformats.org/officeDocument/2006/relationships" xmlns:p="http://schemas.openxmlformats.org/presentationml/2006/main">
-  <p:cSld>
-    <p:spTree>
-      <p:nvGrpSpPr>
-        <p:cNvPr id="1" name=""/>
-        <p:cNvGrpSpPr/>
-        <p:nvPr/>
-      </p:nvGrpSpPr>
-      <p:grpSpPr>
-        <a:xfrm>
-          <a:off x="0" y="0"/>
-          <a:ext cx="0" cy="0"/>
-          <a:chOff x="0" y="0"/>
-          <a:chExt cx="0" cy="0"/>
-        </a:xfrm>
-      </p:grpSpPr>
-      <p:sp>
-        <p:nvSpPr>
-          <p:cNvPr id="2" name="Заглавие 1"/>
-          <p:cNvSpPr>
-            <a:spLocks noGrp="1"/>
-          </p:cNvSpPr>
-          <p:nvPr>
-            <p:ph type="title"/>
-          </p:nvPr>
-        </p:nvSpPr>
-        <p:spPr/>
-        <p:txBody>
-          <a:bodyPr/>
-          <a:lstStyle/>
-          <a:p>
-            <a:r>
-              <a:rPr lang="en-US" dirty="0"/>
-              <a:t>Registration</a:t>
-            </a:r>
-            <a:endParaRPr lang="en-GB" dirty="0"/>
-          </a:p>
-        </p:txBody>
-      </p:sp>
-      <p:sp>
-        <p:nvSpPr>
-          <p:cNvPr id="3" name="Контейнер за съдържание 2"/>
-          <p:cNvSpPr>
-            <a:spLocks noGrp="1"/>
-          </p:cNvSpPr>
-          <p:nvPr>
-            <p:ph idx="1"/>
-          </p:nvPr>
-        </p:nvSpPr>
-        <p:spPr/>
-        <p:txBody>
-          <a:bodyPr/>
-          <a:lstStyle/>
-          <a:p>
-            <a:r>
-              <a:rPr lang="en-US" dirty="0" err="1"/>
-              <a:t>Für</a:t>
-            </a:r>
-            <a:r>
-              <a:rPr lang="en-US" dirty="0"/>
-              <a:t> </a:t>
-            </a:r>
-            <a:r>
-              <a:rPr lang="en-US" dirty="0" err="1"/>
-              <a:t>bestehende</a:t>
-            </a:r>
-            <a:r>
-              <a:rPr lang="en-US" dirty="0"/>
-              <a:t> </a:t>
-            </a:r>
-            <a:r>
-              <a:rPr lang="en-US" dirty="0" err="1"/>
-              <a:t>Benutzer</a:t>
-            </a:r>
-            <a:endParaRPr lang="en-US" dirty="0"/>
-          </a:p>
-          <a:p>
-            <a:r>
-              <a:rPr lang="en-US" dirty="0" err="1"/>
-              <a:t>Zukünftige</a:t>
-            </a:r>
-            <a:r>
-              <a:rPr lang="en-US" dirty="0"/>
-              <a:t> </a:t>
-            </a:r>
-            <a:r>
-              <a:rPr lang="en-US" dirty="0" err="1"/>
-              <a:t>Arbeit</a:t>
-            </a:r>
-            <a:endParaRPr lang="en-US" dirty="0"/>
-          </a:p>
-          <a:p>
-            <a:pPr lvl="1"/>
-            <a:r>
-              <a:rPr lang="en-US" dirty="0"/>
-              <a:t>Email </a:t>
-            </a:r>
-            <a:r>
-              <a:rPr lang="en-US" dirty="0" err="1"/>
-              <a:t>Bestätigung</a:t>
-            </a:r>
-            <a:endParaRPr lang="en-GB" dirty="0"/>
-          </a:p>
-        </p:txBody>
-      </p:sp>
-      <p:pic>
-        <p:nvPicPr>
-          <p:cNvPr id="5" name="Picture 28"/>
-          <p:cNvPicPr/>
-          <p:nvPr/>
-        </p:nvPicPr>
-        <p:blipFill>
-          <a:blip r:embed="rId2">
-            <a:extLst>
-              <a:ext uri="{28A0092B-C50C-407E-A947-70E740481C1C}">
-                <a14:useLocalDpi xmlns:a14="http://schemas.microsoft.com/office/drawing/2010/main" val="0"/>
-              </a:ext>
-            </a:extLst>
-          </a:blip>
-          <a:stretch>
-            <a:fillRect/>
-          </a:stretch>
-        </p:blipFill>
-        <p:spPr>
-          <a:xfrm>
-            <a:off x="6132472" y="2195837"/>
-            <a:ext cx="5731510" cy="3943985"/>
-          </a:xfrm>
-          <a:prstGeom prst="rect">
-            <a:avLst/>
-          </a:prstGeom>
-        </p:spPr>
-      </p:pic>
-    </p:spTree>
-    <p:extLst>
-      <p:ext uri="{BB962C8B-B14F-4D97-AF65-F5344CB8AC3E}">
-        <p14:creationId xmlns:p14="http://schemas.microsoft.com/office/powerpoint/2010/main" val="619108662"/>
-      </p:ext>
-    </p:extLst>
-  </p:cSld>
-  <p:clrMapOvr>
-    <a:masterClrMapping/>
-  </p:clrMapOvr>
-</p:sld>
-</file>
-
-<file path=ppt/slides/slide17.xml><?xml version="1.0" encoding="utf-8"?>
-<p:sld xmlns:a="http://schemas.openxmlformats.org/drawingml/2006/main" xmlns:r="http://schemas.openxmlformats.org/officeDocument/2006/relationships" xmlns:p="http://schemas.openxmlformats.org/presentationml/2006/main">
-  <p:cSld>
-    <p:spTree>
-      <p:nvGrpSpPr>
-        <p:cNvPr id="1" name=""/>
-        <p:cNvGrpSpPr/>
-        <p:nvPr/>
-      </p:nvGrpSpPr>
-      <p:grpSpPr>
-        <a:xfrm>
-          <a:off x="0" y="0"/>
-          <a:ext cx="0" cy="0"/>
-          <a:chOff x="0" y="0"/>
-          <a:chExt cx="0" cy="0"/>
-        </a:xfrm>
-      </p:grpSpPr>
-      <p:sp>
-        <p:nvSpPr>
-          <p:cNvPr id="2" name="Заглавие 1"/>
-          <p:cNvSpPr>
-            <a:spLocks noGrp="1"/>
-          </p:cNvSpPr>
-          <p:nvPr>
-            <p:ph type="title"/>
-          </p:nvPr>
-        </p:nvSpPr>
-        <p:spPr/>
-        <p:txBody>
-          <a:bodyPr/>
-          <a:lstStyle/>
-          <a:p>
-            <a:r>
-              <a:rPr lang="en-US" dirty="0"/>
-              <a:t>Administration</a:t>
-            </a:r>
-            <a:endParaRPr lang="en-GB" dirty="0"/>
-          </a:p>
-        </p:txBody>
-      </p:sp>
-      <p:sp>
-        <p:nvSpPr>
-          <p:cNvPr id="3" name="Контейнер за съдържание 2"/>
-          <p:cNvSpPr>
-            <a:spLocks noGrp="1"/>
-          </p:cNvSpPr>
-          <p:nvPr>
-            <p:ph idx="1"/>
-          </p:nvPr>
-        </p:nvSpPr>
-        <p:spPr/>
-        <p:txBody>
-          <a:bodyPr/>
-          <a:lstStyle/>
-          <a:p>
-            <a:r>
-              <a:rPr lang="en-US" dirty="0" err="1"/>
-              <a:t>Benutzer</a:t>
-            </a:r>
-            <a:endParaRPr lang="en-US" dirty="0"/>
-          </a:p>
-          <a:p>
-            <a:r>
-              <a:rPr lang="en-GB" dirty="0" err="1"/>
-              <a:t>Kartenvorlage</a:t>
-            </a:r>
-            <a:endParaRPr lang="en-GB" dirty="0"/>
-          </a:p>
-          <a:p>
-            <a:r>
-              <a:rPr lang="en-US" dirty="0" err="1"/>
-              <a:t>Karten</a:t>
-            </a:r>
-            <a:endParaRPr lang="en-US" dirty="0"/>
-          </a:p>
-          <a:p>
-            <a:r>
-              <a:rPr lang="en-US" dirty="0" err="1"/>
-              <a:t>Besuche</a:t>
-            </a:r>
-            <a:r>
-              <a:rPr lang="en-US" dirty="0"/>
-              <a:t> der </a:t>
-            </a:r>
-            <a:r>
-              <a:rPr lang="en-US" dirty="0" err="1"/>
-              <a:t>Benutzer</a:t>
-            </a:r>
-            <a:endParaRPr lang="en-GB" dirty="0"/>
-          </a:p>
-        </p:txBody>
-      </p:sp>
-      <p:pic>
-        <p:nvPicPr>
-          <p:cNvPr id="6" name="Picture 24"/>
-          <p:cNvPicPr/>
-          <p:nvPr/>
-        </p:nvPicPr>
-        <p:blipFill>
-          <a:blip r:embed="rId2">
-            <a:extLst>
-              <a:ext uri="{28A0092B-C50C-407E-A947-70E740481C1C}">
-                <a14:useLocalDpi xmlns:a14="http://schemas.microsoft.com/office/drawing/2010/main" val="0"/>
-              </a:ext>
-            </a:extLst>
-          </a:blip>
-          <a:stretch>
-            <a:fillRect/>
-          </a:stretch>
-        </p:blipFill>
-        <p:spPr>
-          <a:xfrm>
-            <a:off x="6033080" y="4022411"/>
-            <a:ext cx="5731510" cy="2310765"/>
-          </a:xfrm>
-          <a:prstGeom prst="rect">
-            <a:avLst/>
-          </a:prstGeom>
-        </p:spPr>
-      </p:pic>
-    </p:spTree>
-    <p:extLst>
-      <p:ext uri="{BB962C8B-B14F-4D97-AF65-F5344CB8AC3E}">
-        <p14:creationId xmlns:p14="http://schemas.microsoft.com/office/powerpoint/2010/main" val="954714969"/>
-      </p:ext>
-    </p:extLst>
-  </p:cSld>
-  <p:clrMapOvr>
-    <a:masterClrMapping/>
-  </p:clrMapOvr>
-</p:sld>
-</file>
-
-<file path=ppt/slides/slide18.xml><?xml version="1.0" encoding="utf-8"?>
-<p:sld xmlns:a="http://schemas.openxmlformats.org/drawingml/2006/main" xmlns:r="http://schemas.openxmlformats.org/officeDocument/2006/relationships" xmlns:p="http://schemas.openxmlformats.org/presentationml/2006/main">
-  <p:cSld>
-    <p:spTree>
-      <p:nvGrpSpPr>
-        <p:cNvPr id="1" name=""/>
-        <p:cNvGrpSpPr/>
-        <p:nvPr/>
-      </p:nvGrpSpPr>
-      <p:grpSpPr>
-        <a:xfrm>
-          <a:off x="0" y="0"/>
-          <a:ext cx="0" cy="0"/>
-          <a:chOff x="0" y="0"/>
-          <a:chExt cx="0" cy="0"/>
-        </a:xfrm>
-      </p:grpSpPr>
-      <p:sp>
-        <p:nvSpPr>
-          <p:cNvPr id="2" name="Заглавие 1"/>
-          <p:cNvSpPr>
-            <a:spLocks noGrp="1"/>
-          </p:cNvSpPr>
-          <p:nvPr>
-            <p:ph type="title"/>
-          </p:nvPr>
-        </p:nvSpPr>
-        <p:spPr/>
-        <p:txBody>
-          <a:bodyPr/>
-          <a:lstStyle/>
-          <a:p>
-            <a:r>
-              <a:rPr lang="en-GB" dirty="0" err="1"/>
-              <a:t>Kartenvorlage</a:t>
-            </a:r>
-            <a:endParaRPr lang="en-GB" dirty="0"/>
-          </a:p>
-        </p:txBody>
-      </p:sp>
-      <p:pic>
-        <p:nvPicPr>
-          <p:cNvPr id="4" name="Picture 20"/>
-          <p:cNvPicPr/>
-          <p:nvPr/>
-        </p:nvPicPr>
-        <p:blipFill>
-          <a:blip r:embed="rId2">
-            <a:extLst>
-              <a:ext uri="{28A0092B-C50C-407E-A947-70E740481C1C}">
-                <a14:useLocalDpi xmlns:a14="http://schemas.microsoft.com/office/drawing/2010/main" val="0"/>
-              </a:ext>
-            </a:extLst>
-          </a:blip>
-          <a:stretch>
-            <a:fillRect/>
-          </a:stretch>
-        </p:blipFill>
-        <p:spPr>
-          <a:xfrm>
-            <a:off x="2592924" y="1905000"/>
-            <a:ext cx="6869127" cy="4495800"/>
-          </a:xfrm>
-          <a:prstGeom prst="rect">
-            <a:avLst/>
-          </a:prstGeom>
-        </p:spPr>
-      </p:pic>
-    </p:spTree>
-    <p:extLst>
-      <p:ext uri="{BB962C8B-B14F-4D97-AF65-F5344CB8AC3E}">
-        <p14:creationId xmlns:p14="http://schemas.microsoft.com/office/powerpoint/2010/main" val="2213803077"/>
-      </p:ext>
-    </p:extLst>
-  </p:cSld>
-  <p:clrMapOvr>
-    <a:masterClrMapping/>
-  </p:clrMapOvr>
-</p:sld>
-</file>
-
-<file path=ppt/slides/slide19.xml><?xml version="1.0" encoding="utf-8"?>
-<p:sld xmlns:a="http://schemas.openxmlformats.org/drawingml/2006/main" xmlns:r="http://schemas.openxmlformats.org/officeDocument/2006/relationships" xmlns:p="http://schemas.openxmlformats.org/presentationml/2006/main">
-  <p:cSld>
-    <p:spTree>
-      <p:nvGrpSpPr>
-        <p:cNvPr id="1" name=""/>
-        <p:cNvGrpSpPr/>
-        <p:nvPr/>
-      </p:nvGrpSpPr>
-      <p:grpSpPr>
-        <a:xfrm>
-          <a:off x="0" y="0"/>
-          <a:ext cx="0" cy="0"/>
-          <a:chOff x="0" y="0"/>
-          <a:chExt cx="0" cy="0"/>
-        </a:xfrm>
-      </p:grpSpPr>
-      <p:sp>
-        <p:nvSpPr>
-          <p:cNvPr id="2" name="Заглавие 1"/>
-          <p:cNvSpPr>
-            <a:spLocks noGrp="1"/>
-          </p:cNvSpPr>
-          <p:nvPr>
-            <p:ph type="title"/>
-          </p:nvPr>
-        </p:nvSpPr>
-        <p:spPr/>
-        <p:txBody>
-          <a:bodyPr/>
-          <a:lstStyle/>
-          <a:p>
-            <a:r>
-              <a:rPr lang="en-US" dirty="0" err="1"/>
-              <a:t>Karten</a:t>
-            </a:r>
-            <a:endParaRPr lang="en-GB" dirty="0"/>
-          </a:p>
-        </p:txBody>
-      </p:sp>
-      <p:pic>
-        <p:nvPicPr>
-          <p:cNvPr id="4" name="Картина 3"/>
-          <p:cNvPicPr>
-            <a:picLocks noChangeAspect="1"/>
-          </p:cNvPicPr>
-          <p:nvPr/>
-        </p:nvPicPr>
-        <p:blipFill>
-          <a:blip r:embed="rId2"/>
-          <a:stretch>
-            <a:fillRect/>
-          </a:stretch>
-        </p:blipFill>
-        <p:spPr>
-          <a:xfrm>
-            <a:off x="2592925" y="1543557"/>
-            <a:ext cx="8242193" cy="4816502"/>
-          </a:xfrm>
-          <a:prstGeom prst="rect">
-            <a:avLst/>
-          </a:prstGeom>
-        </p:spPr>
-      </p:pic>
-    </p:spTree>
-    <p:extLst>
-      <p:ext uri="{BB962C8B-B14F-4D97-AF65-F5344CB8AC3E}">
-        <p14:creationId xmlns:p14="http://schemas.microsoft.com/office/powerpoint/2010/main" val="3249173773"/>
-      </p:ext>
-    </p:extLst>
-  </p:cSld>
-  <p:clrMapOvr>
-    <a:masterClrMapping/>
-  </p:clrMapOvr>
-</p:sld>
-</file>
-
-<file path=ppt/slides/slide2.xml><?xml version="1.0" encoding="utf-8"?>
-<p:sld xmlns:a="http://schemas.openxmlformats.org/drawingml/2006/main" xmlns:r="http://schemas.openxmlformats.org/officeDocument/2006/relationships" xmlns:p="http://schemas.openxmlformats.org/presentationml/2006/main">
-  <p:cSld>
-    <p:spTree>
-      <p:nvGrpSpPr>
-        <p:cNvPr id="1" name=""/>
-        <p:cNvGrpSpPr/>
-        <p:nvPr/>
-      </p:nvGrpSpPr>
-      <p:grpSpPr>
-        <a:xfrm>
-          <a:off x="0" y="0"/>
-          <a:ext cx="0" cy="0"/>
-          <a:chOff x="0" y="0"/>
-          <a:chExt cx="0" cy="0"/>
-        </a:xfrm>
-      </p:grpSpPr>
-      <p:sp>
-        <p:nvSpPr>
-          <p:cNvPr id="2" name="Title 1"/>
-          <p:cNvSpPr>
-            <a:spLocks noGrp="1"/>
-          </p:cNvSpPr>
-          <p:nvPr>
-            <p:ph type="title"/>
-          </p:nvPr>
-        </p:nvSpPr>
-        <p:spPr/>
-        <p:txBody>
-          <a:bodyPr/>
-          <a:lstStyle/>
-          <a:p>
-            <a:r>
-              <a:rPr lang="de-DE" dirty="0"/>
-              <a:t>Idee</a:t>
-            </a:r>
-          </a:p>
-        </p:txBody>
-      </p:sp>
-      <p:sp>
-        <p:nvSpPr>
-          <p:cNvPr id="3" name="Content Placeholder 2"/>
-          <p:cNvSpPr>
-            <a:spLocks noGrp="1"/>
-          </p:cNvSpPr>
-          <p:nvPr>
-            <p:ph idx="1"/>
-          </p:nvPr>
-        </p:nvSpPr>
-        <p:spPr/>
-        <p:txBody>
-          <a:bodyPr/>
-          <a:lstStyle/>
-          <a:p>
-            <a:pPr lvl="1"/>
-            <a:endParaRPr lang="en-US" dirty="0"/>
-          </a:p>
-          <a:p>
-            <a:pPr lvl="1"/>
-            <a:r>
-              <a:rPr lang="de-DE" dirty="0"/>
-              <a:t>Viele Startup Studios haben keine Software</a:t>
-            </a:r>
-          </a:p>
-          <a:p>
-            <a:pPr lvl="2"/>
-            <a:r>
-              <a:rPr lang="de-DE" dirty="0"/>
-              <a:t>Joga, Fitness ..</a:t>
-            </a:r>
-          </a:p>
-          <a:p>
-            <a:pPr lvl="1"/>
-            <a:endParaRPr lang="de-DE" dirty="0"/>
-          </a:p>
-          <a:p>
-            <a:pPr lvl="1"/>
-            <a:r>
-              <a:rPr lang="de-DE" dirty="0"/>
-              <a:t>Eigene Karte und Programme mit ein paar Drücken</a:t>
-            </a:r>
-          </a:p>
-          <a:p>
-            <a:pPr lvl="1"/>
-            <a:endParaRPr lang="de-DE" dirty="0"/>
-          </a:p>
-          <a:p>
-            <a:pPr lvl="1"/>
-            <a:r>
-              <a:rPr lang="de-DE" dirty="0"/>
-              <a:t>Überwachung der Besuche</a:t>
-            </a:r>
-          </a:p>
-          <a:p>
-            <a:pPr lvl="2"/>
-            <a:r>
-              <a:rPr lang="de-DE" dirty="0"/>
-              <a:t>Beim Trainer</a:t>
-            </a:r>
-          </a:p>
-          <a:p>
-            <a:pPr lvl="2"/>
-            <a:r>
-              <a:rPr lang="de-DE" dirty="0"/>
-              <a:t>Beim Praktikant</a:t>
-            </a:r>
-            <a:endParaRPr lang="bg-BG" dirty="0"/>
-          </a:p>
-        </p:txBody>
-      </p:sp>
-      <p:pic>
-        <p:nvPicPr>
-          <p:cNvPr id="8" name="Картина 7"/>
-          <p:cNvPicPr>
-            <a:picLocks noChangeAspect="1"/>
-          </p:cNvPicPr>
-          <p:nvPr/>
-        </p:nvPicPr>
-        <p:blipFill>
-          <a:blip r:embed="rId3">
-            <a:extLst>
-              <a:ext uri="{28A0092B-C50C-407E-A947-70E740481C1C}">
-                <a14:useLocalDpi xmlns:a14="http://schemas.microsoft.com/office/drawing/2010/main" val="0"/>
-              </a:ext>
-            </a:extLst>
-          </a:blip>
-          <a:stretch>
-            <a:fillRect/>
-          </a:stretch>
-        </p:blipFill>
-        <p:spPr>
-          <a:xfrm rot="19991243">
-            <a:off x="8511177" y="1160527"/>
-            <a:ext cx="3572374" cy="2876951"/>
-          </a:xfrm>
-          <a:prstGeom prst="rect">
-            <a:avLst/>
-          </a:prstGeom>
-        </p:spPr>
-      </p:pic>
-      <p:pic>
-        <p:nvPicPr>
-          <p:cNvPr id="9" name="Картина 8"/>
-          <p:cNvPicPr>
-            <a:picLocks noChangeAspect="1"/>
-          </p:cNvPicPr>
-          <p:nvPr/>
-        </p:nvPicPr>
-        <p:blipFill>
-          <a:blip r:embed="rId4" cstate="print">
-            <a:extLst>
-              <a:ext uri="{28A0092B-C50C-407E-A947-70E740481C1C}">
-                <a14:useLocalDpi xmlns:a14="http://schemas.microsoft.com/office/drawing/2010/main" val="0"/>
-              </a:ext>
-            </a:extLst>
-          </a:blip>
-          <a:stretch>
-            <a:fillRect/>
-          </a:stretch>
-        </p:blipFill>
-        <p:spPr>
-          <a:xfrm rot="1422143">
-            <a:off x="8194254" y="3871538"/>
-            <a:ext cx="2856672" cy="2856672"/>
-          </a:xfrm>
-          <a:prstGeom prst="rect">
-            <a:avLst/>
-          </a:prstGeom>
-        </p:spPr>
-      </p:pic>
-    </p:spTree>
-    <p:extLst>
-      <p:ext uri="{BB962C8B-B14F-4D97-AF65-F5344CB8AC3E}">
-        <p14:creationId xmlns:p14="http://schemas.microsoft.com/office/powerpoint/2010/main" val="4049238436"/>
-      </p:ext>
-    </p:extLst>
-  </p:cSld>
-  <p:clrMapOvr>
-    <a:masterClrMapping/>
-  </p:clrMapOvr>
-</p:sld>
-</file>
-
-<file path=ppt/slides/slide20.xml><?xml version="1.0" encoding="utf-8"?>
-<p:sld xmlns:a="http://schemas.openxmlformats.org/drawingml/2006/main" xmlns:r="http://schemas.openxmlformats.org/officeDocument/2006/relationships" xmlns:p="http://schemas.openxmlformats.org/presentationml/2006/main">
-  <p:cSld>
-    <p:spTree>
-      <p:nvGrpSpPr>
-        <p:cNvPr id="1" name=""/>
-        <p:cNvGrpSpPr/>
-        <p:nvPr/>
-      </p:nvGrpSpPr>
-      <p:grpSpPr>
-        <a:xfrm>
-          <a:off x="0" y="0"/>
-          <a:ext cx="0" cy="0"/>
-          <a:chOff x="0" y="0"/>
-          <a:chExt cx="0" cy="0"/>
-        </a:xfrm>
-      </p:grpSpPr>
-      <p:sp>
-        <p:nvSpPr>
-          <p:cNvPr id="2" name="Заглавие 1"/>
-          <p:cNvSpPr>
-            <a:spLocks noGrp="1"/>
-          </p:cNvSpPr>
-          <p:nvPr>
-            <p:ph type="title"/>
-          </p:nvPr>
-        </p:nvSpPr>
-        <p:spPr/>
-        <p:txBody>
-          <a:bodyPr/>
-          <a:lstStyle/>
-          <a:p>
-            <a:r>
-              <a:rPr lang="en-GB" dirty="0" err="1"/>
-              <a:t>Zukünftige</a:t>
-            </a:r>
-            <a:r>
-              <a:rPr lang="en-GB" dirty="0"/>
-              <a:t> </a:t>
-            </a:r>
-            <a:r>
-              <a:rPr lang="en-GB" dirty="0" err="1"/>
-              <a:t>Arbeit</a:t>
-            </a:r>
-            <a:endParaRPr lang="en-GB" dirty="0"/>
-          </a:p>
-        </p:txBody>
-      </p:sp>
-      <p:sp>
-        <p:nvSpPr>
-          <p:cNvPr id="3" name="Контейнер за съдържание 2"/>
-          <p:cNvSpPr>
-            <a:spLocks noGrp="1"/>
-          </p:cNvSpPr>
-          <p:nvPr>
-            <p:ph idx="1"/>
-          </p:nvPr>
-        </p:nvSpPr>
-        <p:spPr/>
-        <p:txBody>
-          <a:bodyPr/>
-          <a:lstStyle/>
-          <a:p>
-            <a:r>
-              <a:rPr lang="en-US" dirty="0"/>
-              <a:t>SAAS Platform</a:t>
-            </a:r>
-          </a:p>
-          <a:p>
-            <a:r>
-              <a:rPr lang="en-GB" dirty="0" err="1"/>
-              <a:t>Drittanbieter-Authentifizierung</a:t>
-            </a:r>
-            <a:endParaRPr lang="en-GB" dirty="0"/>
-          </a:p>
-          <a:p>
-            <a:pPr lvl="1"/>
-            <a:r>
-              <a:rPr lang="en-US" dirty="0"/>
-              <a:t>Facebook, Google</a:t>
-            </a:r>
-          </a:p>
-          <a:p>
-            <a:r>
-              <a:rPr lang="en-GB" dirty="0"/>
-              <a:t>Tests in Live-</a:t>
-            </a:r>
-            <a:r>
-              <a:rPr lang="en-GB" dirty="0" err="1"/>
-              <a:t>Umgebung</a:t>
-            </a:r>
-            <a:endParaRPr lang="en-GB" dirty="0"/>
-          </a:p>
-          <a:p>
-            <a:endParaRPr lang="en-GB" dirty="0"/>
-          </a:p>
-        </p:txBody>
-      </p:sp>
-      <p:pic>
-        <p:nvPicPr>
-          <p:cNvPr id="4" name="Картина 3"/>
-          <p:cNvPicPr>
-            <a:picLocks noChangeAspect="1"/>
-          </p:cNvPicPr>
-          <p:nvPr/>
-        </p:nvPicPr>
-        <p:blipFill>
-          <a:blip r:embed="rId2">
-            <a:extLst>
-              <a:ext uri="{28A0092B-C50C-407E-A947-70E740481C1C}">
-                <a14:useLocalDpi xmlns:a14="http://schemas.microsoft.com/office/drawing/2010/main" val="0"/>
-              </a:ext>
-            </a:extLst>
-          </a:blip>
-          <a:stretch>
-            <a:fillRect/>
-          </a:stretch>
-        </p:blipFill>
-        <p:spPr>
-          <a:xfrm>
-            <a:off x="7119773" y="3589737"/>
-            <a:ext cx="3892784" cy="2466147"/>
-          </a:xfrm>
-          <a:prstGeom prst="rect">
-            <a:avLst/>
-          </a:prstGeom>
-        </p:spPr>
-      </p:pic>
-    </p:spTree>
-    <p:extLst>
-      <p:ext uri="{BB962C8B-B14F-4D97-AF65-F5344CB8AC3E}">
-        <p14:creationId xmlns:p14="http://schemas.microsoft.com/office/powerpoint/2010/main" val="1472839435"/>
-      </p:ext>
-    </p:extLst>
-  </p:cSld>
-  <p:clrMapOvr>
-    <a:masterClrMapping/>
-  </p:clrMapOvr>
-</p:sld>
-</file>
-
-<file path=ppt/slides/slide21.xml><?xml version="1.0" encoding="utf-8"?>
-<p:sld xmlns:a="http://schemas.openxmlformats.org/drawingml/2006/main" xmlns:r="http://schemas.openxmlformats.org/officeDocument/2006/relationships" xmlns:p="http://schemas.openxmlformats.org/presentationml/2006/main">
-  <p:cSld>
-    <p:spTree>
-      <p:nvGrpSpPr>
-        <p:cNvPr id="1" name=""/>
-        <p:cNvGrpSpPr/>
-        <p:nvPr/>
-      </p:nvGrpSpPr>
-      <p:grpSpPr>
-        <a:xfrm>
-          <a:off x="0" y="0"/>
-          <a:ext cx="0" cy="0"/>
-          <a:chOff x="0" y="0"/>
-          <a:chExt cx="0" cy="0"/>
-        </a:xfrm>
-      </p:grpSpPr>
-      <p:sp>
-        <p:nvSpPr>
-          <p:cNvPr id="2" name="Title 1"/>
-          <p:cNvSpPr>
-            <a:spLocks noGrp="1"/>
-          </p:cNvSpPr>
-          <p:nvPr>
-            <p:ph type="title"/>
-          </p:nvPr>
-        </p:nvSpPr>
-        <p:spPr>
-          <a:xfrm>
-            <a:off x="2313956" y="2933358"/>
-            <a:ext cx="8911687" cy="1280890"/>
-          </a:xfrm>
-        </p:spPr>
-        <p:txBody>
-          <a:bodyPr/>
-          <a:lstStyle/>
-          <a:p>
-            <a:pPr algn="ctr"/>
-            <a:r>
-              <a:rPr lang="de-DE" dirty="0"/>
-              <a:t>Vielen Dank für die Aufmerksamkeit!</a:t>
-            </a:r>
-            <a:endParaRPr lang="bg-BG" dirty="0"/>
-          </a:p>
-        </p:txBody>
-      </p:sp>
-    </p:spTree>
-    <p:extLst>
-      <p:ext uri="{BB962C8B-B14F-4D97-AF65-F5344CB8AC3E}">
-        <p14:creationId xmlns:p14="http://schemas.microsoft.com/office/powerpoint/2010/main" val="1751478351"/>
-      </p:ext>
-    </p:extLst>
-  </p:cSld>
-  <p:clrMapOvr>
-    <a:masterClrMapping/>
-  </p:clrMapOvr>
-</p:sld>
-</file>
-
-<file path=ppt/slides/slide3.xml><?xml version="1.0" encoding="utf-8"?>
-<p:sld xmlns:a="http://schemas.openxmlformats.org/drawingml/2006/main" xmlns:r="http://schemas.openxmlformats.org/officeDocument/2006/relationships" xmlns:p="http://schemas.openxmlformats.org/presentationml/2006/main">
-  <p:cSld>
-    <p:spTree>
-      <p:nvGrpSpPr>
-        <p:cNvPr id="1" name=""/>
-        <p:cNvGrpSpPr/>
-        <p:nvPr/>
-      </p:nvGrpSpPr>
-      <p:grpSpPr>
-        <a:xfrm>
-          <a:off x="0" y="0"/>
-          <a:ext cx="0" cy="0"/>
-          <a:chOff x="0" y="0"/>
-          <a:chExt cx="0" cy="0"/>
-        </a:xfrm>
-      </p:grpSpPr>
-      <p:sp>
-        <p:nvSpPr>
-          <p:cNvPr id="2" name="Title 1"/>
-          <p:cNvSpPr>
-            <a:spLocks noGrp="1"/>
-          </p:cNvSpPr>
-          <p:nvPr>
-            <p:ph type="title"/>
-          </p:nvPr>
-        </p:nvSpPr>
-        <p:spPr/>
-        <p:txBody>
-          <a:bodyPr/>
-          <a:lstStyle/>
-          <a:p>
-            <a:r>
-              <a:rPr lang="en-US" dirty="0"/>
-              <a:t>Die </a:t>
-            </a:r>
-            <a:r>
-              <a:rPr lang="en-US" dirty="0" err="1"/>
-              <a:t>Architectur</a:t>
-            </a:r>
-            <a:endParaRPr lang="bg-BG" dirty="0"/>
-          </a:p>
-        </p:txBody>
-      </p:sp>
-      <p:sp>
-        <p:nvSpPr>
-          <p:cNvPr id="3" name="Content Placeholder 2"/>
-          <p:cNvSpPr>
-            <a:spLocks noGrp="1"/>
-          </p:cNvSpPr>
-          <p:nvPr>
-            <p:ph idx="1"/>
-          </p:nvPr>
-        </p:nvSpPr>
-        <p:spPr/>
-        <p:txBody>
-          <a:bodyPr/>
-          <a:lstStyle/>
-          <a:p>
-            <a:r>
-              <a:rPr lang="en-US" dirty="0"/>
-              <a:t>N-tier </a:t>
-            </a:r>
-            <a:r>
-              <a:rPr lang="en-US" dirty="0" err="1"/>
-              <a:t>Anwendung</a:t>
-            </a:r>
-            <a:endParaRPr lang="en-US" dirty="0"/>
-          </a:p>
-          <a:p>
-            <a:pPr lvl="1"/>
-            <a:r>
-              <a:rPr lang="en-US" dirty="0"/>
-              <a:t>Presentation logic -&gt; SPA </a:t>
-            </a:r>
-            <a:r>
-              <a:rPr lang="en-US" dirty="0" err="1"/>
-              <a:t>durch</a:t>
-            </a:r>
-            <a:r>
-              <a:rPr lang="en-US" dirty="0"/>
-              <a:t> Angular 2</a:t>
-            </a:r>
-          </a:p>
-          <a:p>
-            <a:pPr lvl="1"/>
-            <a:r>
-              <a:rPr lang="en-US" dirty="0" err="1"/>
-              <a:t>Anwendungslogik</a:t>
-            </a:r>
-            <a:r>
-              <a:rPr lang="en-US" dirty="0"/>
-              <a:t>-&gt; </a:t>
-            </a:r>
-            <a:r>
-              <a:rPr lang="en-US" dirty="0" err="1"/>
-              <a:t>.Net</a:t>
-            </a:r>
-            <a:r>
-              <a:rPr lang="en-US" dirty="0"/>
-              <a:t> Core &amp; </a:t>
-            </a:r>
-            <a:r>
-              <a:rPr lang="en-US" dirty="0" err="1"/>
-              <a:t>ASP.Net</a:t>
-            </a:r>
-            <a:r>
-              <a:rPr lang="en-US" dirty="0"/>
-              <a:t> Core &amp; EF Core</a:t>
-            </a:r>
-          </a:p>
-          <a:p>
-            <a:pPr lvl="1"/>
-            <a:r>
-              <a:rPr lang="en-US" dirty="0" err="1"/>
-              <a:t>DatenTier</a:t>
-            </a:r>
-            <a:r>
-              <a:rPr lang="en-US" dirty="0"/>
-              <a:t> – EF core </a:t>
-            </a:r>
-            <a:r>
-              <a:rPr lang="en-US" dirty="0" err="1"/>
-              <a:t>unterstützte</a:t>
-            </a:r>
-            <a:r>
-              <a:rPr lang="en-US" dirty="0"/>
-              <a:t> </a:t>
-            </a:r>
-            <a:r>
-              <a:rPr lang="en-US" dirty="0" err="1"/>
-              <a:t>Datenbanken</a:t>
-            </a:r>
-            <a:endParaRPr lang="en-US" dirty="0"/>
-          </a:p>
-        </p:txBody>
-      </p:sp>
-      <p:pic>
-        <p:nvPicPr>
-          <p:cNvPr id="6" name="Картина 5"/>
-          <p:cNvPicPr>
-            <a:picLocks noChangeAspect="1"/>
-          </p:cNvPicPr>
-          <p:nvPr/>
-        </p:nvPicPr>
-        <p:blipFill>
-          <a:blip r:embed="rId3">
-            <a:extLst>
-              <a:ext uri="{28A0092B-C50C-407E-A947-70E740481C1C}">
-                <a14:useLocalDpi xmlns:a14="http://schemas.microsoft.com/office/drawing/2010/main" val="0"/>
-              </a:ext>
-            </a:extLst>
-          </a:blip>
-          <a:stretch>
-            <a:fillRect/>
-          </a:stretch>
-        </p:blipFill>
-        <p:spPr>
-          <a:xfrm>
-            <a:off x="4847863" y="3508810"/>
-            <a:ext cx="5282964" cy="3113800"/>
-          </a:xfrm>
-          <a:prstGeom prst="rect">
-            <a:avLst/>
-          </a:prstGeom>
-        </p:spPr>
-      </p:pic>
-    </p:spTree>
-    <p:extLst>
-      <p:ext uri="{BB962C8B-B14F-4D97-AF65-F5344CB8AC3E}">
-        <p14:creationId xmlns:p14="http://schemas.microsoft.com/office/powerpoint/2010/main" val="2082025723"/>
-      </p:ext>
-    </p:extLst>
-  </p:cSld>
-  <p:clrMapOvr>
-    <a:masterClrMapping/>
-  </p:clrMapOvr>
-</p:sld>
-</file>
-
-<file path=ppt/slides/slide4.xml><?xml version="1.0" encoding="utf-8"?>
-<p:sld xmlns:a="http://schemas.openxmlformats.org/drawingml/2006/main" xmlns:r="http://schemas.openxmlformats.org/officeDocument/2006/relationships" xmlns:p="http://schemas.openxmlformats.org/presentationml/2006/main">
-  <p:cSld>
-    <p:spTree>
-      <p:nvGrpSpPr>
-        <p:cNvPr id="1" name=""/>
-        <p:cNvGrpSpPr/>
-        <p:nvPr/>
-      </p:nvGrpSpPr>
-      <p:grpSpPr>
-        <a:xfrm>
-          <a:off x="0" y="0"/>
-          <a:ext cx="0" cy="0"/>
-          <a:chOff x="0" y="0"/>
-          <a:chExt cx="0" cy="0"/>
-        </a:xfrm>
-      </p:grpSpPr>
-      <p:sp>
-        <p:nvSpPr>
-          <p:cNvPr id="2" name="Title 1"/>
-          <p:cNvSpPr>
-            <a:spLocks noGrp="1"/>
-          </p:cNvSpPr>
-          <p:nvPr>
-            <p:ph type="title"/>
-          </p:nvPr>
-        </p:nvSpPr>
-        <p:spPr/>
-        <p:txBody>
-          <a:bodyPr/>
-          <a:lstStyle/>
-          <a:p>
-            <a:r>
-              <a:rPr lang="en-US" dirty="0" err="1"/>
-              <a:t>PresentationTier</a:t>
-            </a:r>
-            <a:endParaRPr lang="bg-BG" dirty="0"/>
-          </a:p>
-        </p:txBody>
-      </p:sp>
-      <p:sp>
-        <p:nvSpPr>
-          <p:cNvPr id="3" name="Content Placeholder 2"/>
-          <p:cNvSpPr>
-            <a:spLocks noGrp="1"/>
-          </p:cNvSpPr>
-          <p:nvPr>
-            <p:ph idx="1"/>
-          </p:nvPr>
-        </p:nvSpPr>
-        <p:spPr/>
-        <p:txBody>
-          <a:bodyPr/>
-          <a:lstStyle/>
-          <a:p>
-            <a:r>
-              <a:rPr lang="de-DE" dirty="0" err="1"/>
-              <a:t>Spa</a:t>
-            </a:r>
-            <a:r>
-              <a:rPr lang="de-DE" dirty="0"/>
-              <a:t> Anwendungen</a:t>
-            </a:r>
-          </a:p>
-          <a:p>
-            <a:pPr lvl="1"/>
-            <a:r>
-              <a:rPr lang="de-DE" dirty="0"/>
-              <a:t>In Browser</a:t>
-            </a:r>
-          </a:p>
-          <a:p>
-            <a:pPr lvl="2"/>
-            <a:r>
-              <a:rPr lang="de-DE" dirty="0"/>
-              <a:t>Angular2 bietet die MVC Framework</a:t>
-            </a:r>
-          </a:p>
-          <a:p>
-            <a:pPr lvl="2"/>
-            <a:r>
-              <a:rPr lang="de-DE" dirty="0"/>
-              <a:t>Seiten sind nicht neu geladen</a:t>
-            </a:r>
-          </a:p>
-          <a:p>
-            <a:pPr lvl="1"/>
-            <a:r>
-              <a:rPr lang="de-DE" dirty="0"/>
-              <a:t>Kommunikation durch REST-Services (CRUD)</a:t>
-            </a:r>
-          </a:p>
-          <a:p>
-            <a:pPr lvl="1"/>
-            <a:r>
-              <a:rPr lang="de-DE" dirty="0" err="1"/>
-              <a:t>Zustandmanagement</a:t>
-            </a:r>
-            <a:endParaRPr lang="de-DE" dirty="0"/>
-          </a:p>
-          <a:p>
-            <a:pPr lvl="1"/>
-            <a:r>
-              <a:rPr lang="de-DE" dirty="0"/>
-              <a:t>Kann als mobile Anwendung gebaut werden</a:t>
-            </a:r>
-          </a:p>
-          <a:p>
-            <a:pPr lvl="1"/>
-            <a:endParaRPr lang="de-DE" dirty="0"/>
-          </a:p>
-          <a:p>
-            <a:pPr lvl="1"/>
-            <a:endParaRPr lang="de-DE" dirty="0"/>
-          </a:p>
-          <a:p>
-            <a:pPr lvl="1"/>
-            <a:endParaRPr lang="de-DE" dirty="0"/>
-          </a:p>
-        </p:txBody>
-      </p:sp>
-      <p:pic>
-        <p:nvPicPr>
-          <p:cNvPr id="6" name="Картина 5"/>
-          <p:cNvPicPr>
-            <a:picLocks noChangeAspect="1"/>
-          </p:cNvPicPr>
-          <p:nvPr/>
-        </p:nvPicPr>
-        <p:blipFill>
-          <a:blip r:embed="rId3">
-            <a:extLst>
-              <a:ext uri="{28A0092B-C50C-407E-A947-70E740481C1C}">
-                <a14:useLocalDpi xmlns:a14="http://schemas.microsoft.com/office/drawing/2010/main" val="0"/>
-              </a:ext>
-            </a:extLst>
-          </a:blip>
-          <a:stretch>
-            <a:fillRect/>
-          </a:stretch>
-        </p:blipFill>
-        <p:spPr>
-          <a:xfrm>
-            <a:off x="1626898" y="4973438"/>
-            <a:ext cx="3143583" cy="1886150"/>
-          </a:xfrm>
-          <a:prstGeom prst="rect">
-            <a:avLst/>
-          </a:prstGeom>
-        </p:spPr>
-      </p:pic>
-      <p:pic>
-        <p:nvPicPr>
-          <p:cNvPr id="8" name="Картина 7"/>
-          <p:cNvPicPr>
-            <a:picLocks noChangeAspect="1"/>
-          </p:cNvPicPr>
-          <p:nvPr/>
-        </p:nvPicPr>
-        <p:blipFill>
-          <a:blip r:embed="rId4" cstate="print">
-            <a:extLst>
-              <a:ext uri="{28A0092B-C50C-407E-A947-70E740481C1C}">
-                <a14:useLocalDpi xmlns:a14="http://schemas.microsoft.com/office/drawing/2010/main" val="0"/>
-              </a:ext>
-            </a:extLst>
-          </a:blip>
-          <a:stretch>
-            <a:fillRect/>
-          </a:stretch>
-        </p:blipFill>
-        <p:spPr>
-          <a:xfrm>
-            <a:off x="5036595" y="5024371"/>
-            <a:ext cx="2613991" cy="1254716"/>
-          </a:xfrm>
-          <a:prstGeom prst="rect">
-            <a:avLst/>
-          </a:prstGeom>
-        </p:spPr>
-      </p:pic>
-      <p:pic>
-        <p:nvPicPr>
-          <p:cNvPr id="9" name="Картина 8"/>
-          <p:cNvPicPr>
-            <a:picLocks noChangeAspect="1"/>
-          </p:cNvPicPr>
-          <p:nvPr/>
-        </p:nvPicPr>
-        <p:blipFill>
-          <a:blip r:embed="rId5">
-            <a:extLst>
-              <a:ext uri="{28A0092B-C50C-407E-A947-70E740481C1C}">
-                <a14:useLocalDpi xmlns:a14="http://schemas.microsoft.com/office/drawing/2010/main" val="0"/>
-              </a:ext>
-            </a:extLst>
-          </a:blip>
-          <a:stretch>
-            <a:fillRect/>
-          </a:stretch>
-        </p:blipFill>
-        <p:spPr>
-          <a:xfrm>
-            <a:off x="8013823" y="5300653"/>
-            <a:ext cx="3620207" cy="978434"/>
-          </a:xfrm>
-          <a:prstGeom prst="rect">
-            <a:avLst/>
-          </a:prstGeom>
-        </p:spPr>
-      </p:pic>
-    </p:spTree>
-    <p:extLst>
-      <p:ext uri="{BB962C8B-B14F-4D97-AF65-F5344CB8AC3E}">
-        <p14:creationId xmlns:p14="http://schemas.microsoft.com/office/powerpoint/2010/main" val="1451576535"/>
-      </p:ext>
-    </p:extLst>
-  </p:cSld>
-  <p:clrMapOvr>
-    <a:masterClrMapping/>
-  </p:clrMapOvr>
-</p:sld>
-</file>
-
-<file path=ppt/slides/slide5.xml><?xml version="1.0" encoding="utf-8"?>
-<p:sld xmlns:a="http://schemas.openxmlformats.org/drawingml/2006/main" xmlns:r="http://schemas.openxmlformats.org/officeDocument/2006/relationships" xmlns:p="http://schemas.openxmlformats.org/presentationml/2006/main">
-  <p:cSld>
-    <p:spTree>
-      <p:nvGrpSpPr>
-        <p:cNvPr id="1" name=""/>
-        <p:cNvGrpSpPr/>
-        <p:nvPr/>
-      </p:nvGrpSpPr>
-      <p:grpSpPr>
-        <a:xfrm>
-          <a:off x="0" y="0"/>
-          <a:ext cx="0" cy="0"/>
-          <a:chOff x="0" y="0"/>
-          <a:chExt cx="0" cy="0"/>
-        </a:xfrm>
-      </p:grpSpPr>
-      <p:sp>
-        <p:nvSpPr>
-          <p:cNvPr id="2" name="Title 1"/>
-          <p:cNvSpPr>
-            <a:spLocks noGrp="1"/>
-          </p:cNvSpPr>
-          <p:nvPr>
-            <p:ph type="title"/>
-          </p:nvPr>
-        </p:nvSpPr>
-        <p:spPr/>
-        <p:txBody>
-          <a:bodyPr/>
-          <a:lstStyle/>
-          <a:p>
-            <a:r>
-              <a:rPr lang="en-US" dirty="0" err="1"/>
-              <a:t>AnwendungslogikTier</a:t>
+              <a:t>AnwendungslogikSchicht</a:t>
             </a:r>
             <a:endParaRPr lang="bg-BG" dirty="0"/>
           </a:p>
@@ -11105,7 +9204,7 @@
 </p:sld>
 </file>
 
-<file path=ppt/slides/slide6.xml><?xml version="1.0" encoding="utf-8"?>
+<file path=ppt/slides/slide11.xml><?xml version="1.0" encoding="utf-8"?>
 <p:sld xmlns:a="http://schemas.openxmlformats.org/drawingml/2006/main" xmlns:r="http://schemas.openxmlformats.org/officeDocument/2006/relationships" xmlns:p="http://schemas.openxmlformats.org/presentationml/2006/main">
   <p:cSld>
     <p:spTree>
@@ -11194,7 +9293,7 @@
 </p:sld>
 </file>
 
-<file path=ppt/slides/slide7.xml><?xml version="1.0" encoding="utf-8"?>
+<file path=ppt/slides/slide12.xml><?xml version="1.0" encoding="utf-8"?>
 <p:sld xmlns:a="http://schemas.openxmlformats.org/drawingml/2006/main" xmlns:r="http://schemas.openxmlformats.org/officeDocument/2006/relationships" xmlns:p="http://schemas.openxmlformats.org/presentationml/2006/main">
   <p:cSld>
     <p:spTree>
@@ -11283,7 +9382,7 @@
 </p:sld>
 </file>
 
-<file path=ppt/slides/slide8.xml><?xml version="1.0" encoding="utf-8"?>
+<file path=ppt/slides/slide13.xml><?xml version="1.0" encoding="utf-8"?>
 <p:sld xmlns:a="http://schemas.openxmlformats.org/drawingml/2006/main" xmlns:r="http://schemas.openxmlformats.org/officeDocument/2006/relationships" xmlns:p="http://schemas.openxmlformats.org/presentationml/2006/main">
   <p:cSld>
     <p:spTree>
@@ -11372,7 +9471,7 @@
 </p:sld>
 </file>
 
-<file path=ppt/slides/slide9.xml><?xml version="1.0" encoding="utf-8"?>
+<file path=ppt/slides/slide14.xml><?xml version="1.0" encoding="utf-8"?>
 <p:sld xmlns:a="http://schemas.openxmlformats.org/drawingml/2006/main" xmlns:r="http://schemas.openxmlformats.org/officeDocument/2006/relationships" xmlns:p="http://schemas.openxmlformats.org/presentationml/2006/main">
   <p:cSld>
     <p:spTree>
@@ -11452,6 +9551,1945 @@
     <p:extLst>
       <p:ext uri="{BB962C8B-B14F-4D97-AF65-F5344CB8AC3E}">
         <p14:creationId xmlns:p14="http://schemas.microsoft.com/office/powerpoint/2010/main" val="2231092965"/>
+      </p:ext>
+    </p:extLst>
+  </p:cSld>
+  <p:clrMapOvr>
+    <a:masterClrMapping/>
+  </p:clrMapOvr>
+</p:sld>
+</file>
+
+<file path=ppt/slides/slide15.xml><?xml version="1.0" encoding="utf-8"?>
+<p:sld xmlns:a="http://schemas.openxmlformats.org/drawingml/2006/main" xmlns:r="http://schemas.openxmlformats.org/officeDocument/2006/relationships" xmlns:p="http://schemas.openxmlformats.org/presentationml/2006/main">
+  <p:cSld>
+    <p:spTree>
+      <p:nvGrpSpPr>
+        <p:cNvPr id="1" name=""/>
+        <p:cNvGrpSpPr/>
+        <p:nvPr/>
+      </p:nvGrpSpPr>
+      <p:grpSpPr>
+        <a:xfrm>
+          <a:off x="0" y="0"/>
+          <a:ext cx="0" cy="0"/>
+          <a:chOff x="0" y="0"/>
+          <a:chExt cx="0" cy="0"/>
+        </a:xfrm>
+      </p:grpSpPr>
+      <p:sp>
+        <p:nvSpPr>
+          <p:cNvPr id="2" name="Заглавие 1"/>
+          <p:cNvSpPr>
+            <a:spLocks noGrp="1"/>
+          </p:cNvSpPr>
+          <p:nvPr>
+            <p:ph type="title"/>
+          </p:nvPr>
+        </p:nvSpPr>
+        <p:spPr/>
+        <p:txBody>
+          <a:bodyPr/>
+          <a:lstStyle/>
+          <a:p>
+            <a:r>
+              <a:rPr lang="en-US" dirty="0" err="1"/>
+              <a:t>DatenbankSchicht</a:t>
+            </a:r>
+            <a:endParaRPr lang="en-GB" dirty="0"/>
+          </a:p>
+        </p:txBody>
+      </p:sp>
+      <p:sp>
+        <p:nvSpPr>
+          <p:cNvPr id="3" name="Контейнер за съдържание 2"/>
+          <p:cNvSpPr>
+            <a:spLocks noGrp="1"/>
+          </p:cNvSpPr>
+          <p:nvPr>
+            <p:ph idx="1"/>
+          </p:nvPr>
+        </p:nvSpPr>
+        <p:spPr>
+          <a:xfrm>
+            <a:off x="2592925" y="2124546"/>
+            <a:ext cx="8915400" cy="3777622"/>
+          </a:xfrm>
+        </p:spPr>
+        <p:txBody>
+          <a:bodyPr/>
+          <a:lstStyle/>
+          <a:p>
+            <a:r>
+              <a:rPr lang="en-US" dirty="0" err="1"/>
+              <a:t>Realisiret</a:t>
+            </a:r>
+            <a:r>
+              <a:rPr lang="en-US" dirty="0"/>
+              <a:t> </a:t>
+            </a:r>
+            <a:r>
+              <a:rPr lang="en-US" dirty="0" err="1"/>
+              <a:t>mit</a:t>
+            </a:r>
+            <a:r>
+              <a:rPr lang="en-US" dirty="0"/>
+              <a:t> EF Core ORM</a:t>
+            </a:r>
+          </a:p>
+          <a:p>
+            <a:pPr lvl="1"/>
+            <a:r>
+              <a:rPr lang="en-GB" dirty="0" err="1"/>
+              <a:t>Liefert</a:t>
+            </a:r>
+            <a:r>
+              <a:rPr lang="en-GB" dirty="0"/>
+              <a:t> </a:t>
+            </a:r>
+            <a:r>
+              <a:rPr lang="en-GB" dirty="0" err="1"/>
+              <a:t>Abstraktion</a:t>
+            </a:r>
+            <a:r>
+              <a:rPr lang="en-GB" dirty="0"/>
+              <a:t> von </a:t>
+            </a:r>
+            <a:r>
+              <a:rPr lang="en-GB" dirty="0" err="1"/>
+              <a:t>Datenbank</a:t>
+            </a:r>
+            <a:endParaRPr lang="en-GB" dirty="0"/>
+          </a:p>
+          <a:p>
+            <a:pPr lvl="1"/>
+            <a:r>
+              <a:rPr lang="en-US" dirty="0" err="1"/>
+              <a:t>Datenbank</a:t>
+            </a:r>
+            <a:r>
+              <a:rPr lang="en-US" dirty="0"/>
+              <a:t> </a:t>
+            </a:r>
+            <a:r>
+              <a:rPr lang="en-US" dirty="0" err="1"/>
+              <a:t>kann</a:t>
+            </a:r>
+            <a:r>
+              <a:rPr lang="en-US" dirty="0"/>
+              <a:t> </a:t>
+            </a:r>
+            <a:r>
+              <a:rPr lang="en-US" dirty="0" err="1"/>
+              <a:t>InMemory</a:t>
+            </a:r>
+            <a:r>
+              <a:rPr lang="en-US" dirty="0"/>
+              <a:t>, </a:t>
+            </a:r>
+            <a:r>
+              <a:rPr lang="en-US" dirty="0" err="1"/>
+              <a:t>MySql</a:t>
+            </a:r>
+            <a:r>
+              <a:rPr lang="en-US" dirty="0"/>
+              <a:t>.. sein</a:t>
+            </a:r>
+          </a:p>
+          <a:p>
+            <a:pPr lvl="1"/>
+            <a:r>
+              <a:rPr lang="en-US" dirty="0"/>
+              <a:t>LINQ</a:t>
+            </a:r>
+          </a:p>
+          <a:p>
+            <a:endParaRPr lang="en-GB" dirty="0"/>
+          </a:p>
+        </p:txBody>
+      </p:sp>
+      <p:pic>
+        <p:nvPicPr>
+          <p:cNvPr id="5" name="Картина 4"/>
+          <p:cNvPicPr>
+            <a:picLocks noChangeAspect="1"/>
+          </p:cNvPicPr>
+          <p:nvPr/>
+        </p:nvPicPr>
+        <p:blipFill>
+          <a:blip r:embed="rId2">
+            <a:extLst>
+              <a:ext uri="{28A0092B-C50C-407E-A947-70E740481C1C}">
+                <a14:useLocalDpi xmlns:a14="http://schemas.microsoft.com/office/drawing/2010/main" val="0"/>
+              </a:ext>
+            </a:extLst>
+          </a:blip>
+          <a:stretch>
+            <a:fillRect/>
+          </a:stretch>
+        </p:blipFill>
+        <p:spPr>
+          <a:xfrm>
+            <a:off x="3546899" y="4557120"/>
+            <a:ext cx="1569115" cy="1564594"/>
+          </a:xfrm>
+          <a:prstGeom prst="rect">
+            <a:avLst/>
+          </a:prstGeom>
+        </p:spPr>
+      </p:pic>
+      <p:pic>
+        <p:nvPicPr>
+          <p:cNvPr id="6" name="Картина 5"/>
+          <p:cNvPicPr>
+            <a:picLocks noChangeAspect="1"/>
+          </p:cNvPicPr>
+          <p:nvPr/>
+        </p:nvPicPr>
+        <p:blipFill>
+          <a:blip r:embed="rId3">
+            <a:extLst>
+              <a:ext uri="{28A0092B-C50C-407E-A947-70E740481C1C}">
+                <a14:useLocalDpi xmlns:a14="http://schemas.microsoft.com/office/drawing/2010/main" val="0"/>
+              </a:ext>
+            </a:extLst>
+          </a:blip>
+          <a:stretch>
+            <a:fillRect/>
+          </a:stretch>
+        </p:blipFill>
+        <p:spPr>
+          <a:xfrm>
+            <a:off x="7268801" y="1582302"/>
+            <a:ext cx="4588897" cy="4319866"/>
+          </a:xfrm>
+          <a:prstGeom prst="rect">
+            <a:avLst/>
+          </a:prstGeom>
+        </p:spPr>
+      </p:pic>
+    </p:spTree>
+    <p:extLst>
+      <p:ext uri="{BB962C8B-B14F-4D97-AF65-F5344CB8AC3E}">
+        <p14:creationId xmlns:p14="http://schemas.microsoft.com/office/powerpoint/2010/main" val="3008541140"/>
+      </p:ext>
+    </p:extLst>
+  </p:cSld>
+  <p:clrMapOvr>
+    <a:masterClrMapping/>
+  </p:clrMapOvr>
+</p:sld>
+</file>
+
+<file path=ppt/slides/slide16.xml><?xml version="1.0" encoding="utf-8"?>
+<p:sld xmlns:a="http://schemas.openxmlformats.org/drawingml/2006/main" xmlns:r="http://schemas.openxmlformats.org/officeDocument/2006/relationships" xmlns:p="http://schemas.openxmlformats.org/presentationml/2006/main">
+  <p:cSld>
+    <p:spTree>
+      <p:nvGrpSpPr>
+        <p:cNvPr id="1" name=""/>
+        <p:cNvGrpSpPr/>
+        <p:nvPr/>
+      </p:nvGrpSpPr>
+      <p:grpSpPr>
+        <a:xfrm>
+          <a:off x="0" y="0"/>
+          <a:ext cx="0" cy="0"/>
+          <a:chOff x="0" y="0"/>
+          <a:chExt cx="0" cy="0"/>
+        </a:xfrm>
+      </p:grpSpPr>
+      <p:sp>
+        <p:nvSpPr>
+          <p:cNvPr id="2" name="Заглавие 1"/>
+          <p:cNvSpPr>
+            <a:spLocks noGrp="1"/>
+          </p:cNvSpPr>
+          <p:nvPr>
+            <p:ph type="title"/>
+          </p:nvPr>
+        </p:nvSpPr>
+        <p:spPr/>
+        <p:txBody>
+          <a:bodyPr/>
+          <a:lstStyle/>
+          <a:p>
+            <a:r>
+              <a:rPr lang="en-US" dirty="0" err="1"/>
+              <a:t>AnwendungsSchema</a:t>
+            </a:r>
+            <a:endParaRPr lang="en-GB" dirty="0"/>
+          </a:p>
+        </p:txBody>
+      </p:sp>
+      <p:pic>
+        <p:nvPicPr>
+          <p:cNvPr id="4" name="Контейнер за съдържание 3"/>
+          <p:cNvPicPr>
+            <a:picLocks noGrp="1" noChangeAspect="1"/>
+          </p:cNvPicPr>
+          <p:nvPr>
+            <p:ph idx="1"/>
+          </p:nvPr>
+        </p:nvPicPr>
+        <p:blipFill>
+          <a:blip r:embed="rId2">
+            <a:extLst>
+              <a:ext uri="{28A0092B-C50C-407E-A947-70E740481C1C}">
+                <a14:useLocalDpi xmlns:a14="http://schemas.microsoft.com/office/drawing/2010/main" val="0"/>
+              </a:ext>
+            </a:extLst>
+          </a:blip>
+          <a:stretch>
+            <a:fillRect/>
+          </a:stretch>
+        </p:blipFill>
+        <p:spPr>
+          <a:xfrm>
+            <a:off x="2592925" y="1905000"/>
+            <a:ext cx="7415779" cy="4405047"/>
+          </a:xfrm>
+        </p:spPr>
+      </p:pic>
+    </p:spTree>
+    <p:extLst>
+      <p:ext uri="{BB962C8B-B14F-4D97-AF65-F5344CB8AC3E}">
+        <p14:creationId xmlns:p14="http://schemas.microsoft.com/office/powerpoint/2010/main" val="2983285613"/>
+      </p:ext>
+    </p:extLst>
+  </p:cSld>
+  <p:clrMapOvr>
+    <a:masterClrMapping/>
+  </p:clrMapOvr>
+</p:sld>
+</file>
+
+<file path=ppt/slides/slide17.xml><?xml version="1.0" encoding="utf-8"?>
+<p:sld xmlns:a="http://schemas.openxmlformats.org/drawingml/2006/main" xmlns:r="http://schemas.openxmlformats.org/officeDocument/2006/relationships" xmlns:p="http://schemas.openxmlformats.org/presentationml/2006/main">
+  <p:cSld>
+    <p:spTree>
+      <p:nvGrpSpPr>
+        <p:cNvPr id="1" name=""/>
+        <p:cNvGrpSpPr/>
+        <p:nvPr/>
+      </p:nvGrpSpPr>
+      <p:grpSpPr>
+        <a:xfrm>
+          <a:off x="0" y="0"/>
+          <a:ext cx="0" cy="0"/>
+          <a:chOff x="0" y="0"/>
+          <a:chExt cx="0" cy="0"/>
+        </a:xfrm>
+      </p:grpSpPr>
+      <p:sp>
+        <p:nvSpPr>
+          <p:cNvPr id="2" name="Заглавие 1"/>
+          <p:cNvSpPr>
+            <a:spLocks noGrp="1"/>
+          </p:cNvSpPr>
+          <p:nvPr>
+            <p:ph type="title"/>
+          </p:nvPr>
+        </p:nvSpPr>
+        <p:spPr/>
+        <p:txBody>
+          <a:bodyPr/>
+          <a:lstStyle/>
+          <a:p>
+            <a:r>
+              <a:rPr lang="en-US" dirty="0" err="1"/>
+              <a:t>Sicherheitsüberprüfungen</a:t>
+            </a:r>
+            <a:endParaRPr lang="en-US" dirty="0"/>
+          </a:p>
+        </p:txBody>
+      </p:sp>
+      <p:sp>
+        <p:nvSpPr>
+          <p:cNvPr id="9" name="Контейнер за съдържание 8"/>
+          <p:cNvSpPr>
+            <a:spLocks noGrp="1"/>
+          </p:cNvSpPr>
+          <p:nvPr>
+            <p:ph idx="1"/>
+          </p:nvPr>
+        </p:nvSpPr>
+        <p:spPr/>
+        <p:txBody>
+          <a:bodyPr/>
+          <a:lstStyle/>
+          <a:p>
+            <a:r>
+              <a:rPr lang="de-DE" dirty="0"/>
+              <a:t>CORS</a:t>
+            </a:r>
+          </a:p>
+          <a:p>
+            <a:r>
+              <a:rPr lang="de-DE" dirty="0"/>
+              <a:t>Authentifizierung (mit Claims)</a:t>
+            </a:r>
+          </a:p>
+          <a:p>
+            <a:pPr lvl="1"/>
+            <a:r>
+              <a:rPr lang="de-DE" dirty="0"/>
+              <a:t>Durch Cookies</a:t>
+            </a:r>
+          </a:p>
+          <a:p>
+            <a:r>
+              <a:rPr lang="de-DE" dirty="0"/>
+              <a:t>Identity mit Rollen</a:t>
+            </a:r>
+          </a:p>
+          <a:p>
+            <a:endParaRPr lang="en-GB" dirty="0"/>
+          </a:p>
+        </p:txBody>
+      </p:sp>
+      <p:pic>
+        <p:nvPicPr>
+          <p:cNvPr id="10" name="Картина 9"/>
+          <p:cNvPicPr>
+            <a:picLocks noChangeAspect="1"/>
+          </p:cNvPicPr>
+          <p:nvPr/>
+        </p:nvPicPr>
+        <p:blipFill>
+          <a:blip r:embed="rId2" cstate="print">
+            <a:extLst>
+              <a:ext uri="{28A0092B-C50C-407E-A947-70E740481C1C}">
+                <a14:useLocalDpi xmlns:a14="http://schemas.microsoft.com/office/drawing/2010/main" val="0"/>
+              </a:ext>
+            </a:extLst>
+          </a:blip>
+          <a:stretch>
+            <a:fillRect/>
+          </a:stretch>
+        </p:blipFill>
+        <p:spPr>
+          <a:xfrm>
+            <a:off x="6922673" y="3333881"/>
+            <a:ext cx="4581939" cy="2577341"/>
+          </a:xfrm>
+          <a:prstGeom prst="rect">
+            <a:avLst/>
+          </a:prstGeom>
+        </p:spPr>
+      </p:pic>
+    </p:spTree>
+    <p:extLst>
+      <p:ext uri="{BB962C8B-B14F-4D97-AF65-F5344CB8AC3E}">
+        <p14:creationId xmlns:p14="http://schemas.microsoft.com/office/powerpoint/2010/main" val="2852198160"/>
+      </p:ext>
+    </p:extLst>
+  </p:cSld>
+  <p:clrMapOvr>
+    <a:masterClrMapping/>
+  </p:clrMapOvr>
+</p:sld>
+</file>
+
+<file path=ppt/slides/slide18.xml><?xml version="1.0" encoding="utf-8"?>
+<p:sld xmlns:a="http://schemas.openxmlformats.org/drawingml/2006/main" xmlns:r="http://schemas.openxmlformats.org/officeDocument/2006/relationships" xmlns:p="http://schemas.openxmlformats.org/presentationml/2006/main">
+  <p:cSld>
+    <p:spTree>
+      <p:nvGrpSpPr>
+        <p:cNvPr id="1" name=""/>
+        <p:cNvGrpSpPr/>
+        <p:nvPr/>
+      </p:nvGrpSpPr>
+      <p:grpSpPr>
+        <a:xfrm>
+          <a:off x="0" y="0"/>
+          <a:ext cx="0" cy="0"/>
+          <a:chOff x="0" y="0"/>
+          <a:chExt cx="0" cy="0"/>
+        </a:xfrm>
+      </p:grpSpPr>
+      <p:sp>
+        <p:nvSpPr>
+          <p:cNvPr id="2" name="Заглавие 1"/>
+          <p:cNvSpPr>
+            <a:spLocks noGrp="1"/>
+          </p:cNvSpPr>
+          <p:nvPr>
+            <p:ph type="title"/>
+          </p:nvPr>
+        </p:nvSpPr>
+        <p:spPr/>
+        <p:txBody>
+          <a:bodyPr/>
+          <a:lstStyle/>
+          <a:p>
+            <a:r>
+              <a:rPr lang="en-US" dirty="0"/>
+              <a:t>Identity model schema</a:t>
+            </a:r>
+            <a:endParaRPr lang="en-GB" dirty="0"/>
+          </a:p>
+        </p:txBody>
+      </p:sp>
+      <p:pic>
+        <p:nvPicPr>
+          <p:cNvPr id="5" name="Контейнер за съдържание 4"/>
+          <p:cNvPicPr>
+            <a:picLocks noGrp="1" noChangeAspect="1"/>
+          </p:cNvPicPr>
+          <p:nvPr>
+            <p:ph idx="1"/>
+          </p:nvPr>
+        </p:nvPicPr>
+        <p:blipFill>
+          <a:blip r:embed="rId2">
+            <a:extLst>
+              <a:ext uri="{28A0092B-C50C-407E-A947-70E740481C1C}">
+                <a14:useLocalDpi xmlns:a14="http://schemas.microsoft.com/office/drawing/2010/main" val="0"/>
+              </a:ext>
+            </a:extLst>
+          </a:blip>
+          <a:stretch>
+            <a:fillRect/>
+          </a:stretch>
+        </p:blipFill>
+        <p:spPr>
+          <a:xfrm>
+            <a:off x="1248166" y="624110"/>
+            <a:ext cx="9038833" cy="6779126"/>
+          </a:xfrm>
+        </p:spPr>
+      </p:pic>
+    </p:spTree>
+    <p:extLst>
+      <p:ext uri="{BB962C8B-B14F-4D97-AF65-F5344CB8AC3E}">
+        <p14:creationId xmlns:p14="http://schemas.microsoft.com/office/powerpoint/2010/main" val="1319522759"/>
+      </p:ext>
+    </p:extLst>
+  </p:cSld>
+  <p:clrMapOvr>
+    <a:masterClrMapping/>
+  </p:clrMapOvr>
+</p:sld>
+</file>
+
+<file path=ppt/slides/slide19.xml><?xml version="1.0" encoding="utf-8"?>
+<p:sld xmlns:a="http://schemas.openxmlformats.org/drawingml/2006/main" xmlns:r="http://schemas.openxmlformats.org/officeDocument/2006/relationships" xmlns:p="http://schemas.openxmlformats.org/presentationml/2006/main">
+  <p:cSld>
+    <p:spTree>
+      <p:nvGrpSpPr>
+        <p:cNvPr id="1" name=""/>
+        <p:cNvGrpSpPr/>
+        <p:nvPr/>
+      </p:nvGrpSpPr>
+      <p:grpSpPr>
+        <a:xfrm>
+          <a:off x="0" y="0"/>
+          <a:ext cx="0" cy="0"/>
+          <a:chOff x="0" y="0"/>
+          <a:chExt cx="0" cy="0"/>
+        </a:xfrm>
+      </p:grpSpPr>
+      <p:sp>
+        <p:nvSpPr>
+          <p:cNvPr id="2" name="Заглавие 1"/>
+          <p:cNvSpPr>
+            <a:spLocks noGrp="1"/>
+          </p:cNvSpPr>
+          <p:nvPr>
+            <p:ph type="title"/>
+          </p:nvPr>
+        </p:nvSpPr>
+        <p:spPr/>
+        <p:txBody>
+          <a:bodyPr/>
+          <a:lstStyle/>
+          <a:p>
+            <a:r>
+              <a:rPr lang="en-US" dirty="0"/>
+              <a:t>Pipeline </a:t>
+            </a:r>
+          </a:p>
+        </p:txBody>
+      </p:sp>
+      <p:pic>
+        <p:nvPicPr>
+          <p:cNvPr id="5" name="Контейнер за съдържание 4"/>
+          <p:cNvPicPr>
+            <a:picLocks noGrp="1" noChangeAspect="1"/>
+          </p:cNvPicPr>
+          <p:nvPr>
+            <p:ph idx="1"/>
+          </p:nvPr>
+        </p:nvPicPr>
+        <p:blipFill>
+          <a:blip r:embed="rId2">
+            <a:extLst>
+              <a:ext uri="{28A0092B-C50C-407E-A947-70E740481C1C}">
+                <a14:useLocalDpi xmlns:a14="http://schemas.microsoft.com/office/drawing/2010/main" val="0"/>
+              </a:ext>
+            </a:extLst>
+          </a:blip>
+          <a:stretch>
+            <a:fillRect/>
+          </a:stretch>
+        </p:blipFill>
+        <p:spPr>
+          <a:xfrm>
+            <a:off x="1534023" y="896806"/>
+            <a:ext cx="8524376" cy="6393283"/>
+          </a:xfrm>
+        </p:spPr>
+      </p:pic>
+    </p:spTree>
+    <p:extLst>
+      <p:ext uri="{BB962C8B-B14F-4D97-AF65-F5344CB8AC3E}">
+        <p14:creationId xmlns:p14="http://schemas.microsoft.com/office/powerpoint/2010/main" val="3175857524"/>
+      </p:ext>
+    </p:extLst>
+  </p:cSld>
+  <p:clrMapOvr>
+    <a:masterClrMapping/>
+  </p:clrMapOvr>
+</p:sld>
+</file>
+
+<file path=ppt/slides/slide2.xml><?xml version="1.0" encoding="utf-8"?>
+<p:sld xmlns:a="http://schemas.openxmlformats.org/drawingml/2006/main" xmlns:r="http://schemas.openxmlformats.org/officeDocument/2006/relationships" xmlns:p="http://schemas.openxmlformats.org/presentationml/2006/main">
+  <p:cSld>
+    <p:spTree>
+      <p:nvGrpSpPr>
+        <p:cNvPr id="1" name=""/>
+        <p:cNvGrpSpPr/>
+        <p:nvPr/>
+      </p:nvGrpSpPr>
+      <p:grpSpPr>
+        <a:xfrm>
+          <a:off x="0" y="0"/>
+          <a:ext cx="0" cy="0"/>
+          <a:chOff x="0" y="0"/>
+          <a:chExt cx="0" cy="0"/>
+        </a:xfrm>
+      </p:grpSpPr>
+      <p:sp>
+        <p:nvSpPr>
+          <p:cNvPr id="2" name="Title 1"/>
+          <p:cNvSpPr>
+            <a:spLocks noGrp="1"/>
+          </p:cNvSpPr>
+          <p:nvPr>
+            <p:ph type="title"/>
+          </p:nvPr>
+        </p:nvSpPr>
+        <p:spPr/>
+        <p:txBody>
+          <a:bodyPr/>
+          <a:lstStyle/>
+          <a:p>
+            <a:r>
+              <a:rPr lang="de-DE" dirty="0"/>
+              <a:t>Idee</a:t>
+            </a:r>
+          </a:p>
+        </p:txBody>
+      </p:sp>
+      <p:sp>
+        <p:nvSpPr>
+          <p:cNvPr id="3" name="Content Placeholder 2"/>
+          <p:cNvSpPr>
+            <a:spLocks noGrp="1"/>
+          </p:cNvSpPr>
+          <p:nvPr>
+            <p:ph idx="1"/>
+          </p:nvPr>
+        </p:nvSpPr>
+        <p:spPr/>
+        <p:txBody>
+          <a:bodyPr/>
+          <a:lstStyle/>
+          <a:p>
+            <a:pPr lvl="1"/>
+            <a:endParaRPr lang="en-US" dirty="0"/>
+          </a:p>
+          <a:p>
+            <a:pPr lvl="1"/>
+            <a:r>
+              <a:rPr lang="de-DE" dirty="0"/>
+              <a:t>Viele Startup Studios haben keine Software</a:t>
+            </a:r>
+          </a:p>
+          <a:p>
+            <a:pPr lvl="2"/>
+            <a:r>
+              <a:rPr lang="de-DE" dirty="0"/>
+              <a:t>Joga, Fitness ..</a:t>
+            </a:r>
+          </a:p>
+          <a:p>
+            <a:pPr lvl="1"/>
+            <a:endParaRPr lang="de-DE" dirty="0"/>
+          </a:p>
+          <a:p>
+            <a:pPr lvl="1"/>
+            <a:r>
+              <a:rPr lang="de-DE" dirty="0"/>
+              <a:t>Eigene Karte und Programme mit ein paar Drücken</a:t>
+            </a:r>
+          </a:p>
+          <a:p>
+            <a:pPr lvl="1"/>
+            <a:endParaRPr lang="de-DE" dirty="0"/>
+          </a:p>
+          <a:p>
+            <a:pPr lvl="1"/>
+            <a:r>
+              <a:rPr lang="de-DE" dirty="0"/>
+              <a:t>Überwachung der Besuche</a:t>
+            </a:r>
+          </a:p>
+          <a:p>
+            <a:pPr lvl="2"/>
+            <a:r>
+              <a:rPr lang="de-DE" dirty="0"/>
+              <a:t>Beim Trainer</a:t>
+            </a:r>
+          </a:p>
+          <a:p>
+            <a:pPr lvl="2"/>
+            <a:r>
+              <a:rPr lang="de-DE" dirty="0"/>
+              <a:t>Beim Praktikant</a:t>
+            </a:r>
+            <a:endParaRPr lang="bg-BG" dirty="0"/>
+          </a:p>
+        </p:txBody>
+      </p:sp>
+      <p:pic>
+        <p:nvPicPr>
+          <p:cNvPr id="8" name="Картина 7"/>
+          <p:cNvPicPr>
+            <a:picLocks noChangeAspect="1"/>
+          </p:cNvPicPr>
+          <p:nvPr/>
+        </p:nvPicPr>
+        <p:blipFill>
+          <a:blip r:embed="rId3">
+            <a:extLst>
+              <a:ext uri="{28A0092B-C50C-407E-A947-70E740481C1C}">
+                <a14:useLocalDpi xmlns:a14="http://schemas.microsoft.com/office/drawing/2010/main" val="0"/>
+              </a:ext>
+            </a:extLst>
+          </a:blip>
+          <a:stretch>
+            <a:fillRect/>
+          </a:stretch>
+        </p:blipFill>
+        <p:spPr>
+          <a:xfrm rot="19991243">
+            <a:off x="8511177" y="1160527"/>
+            <a:ext cx="3572374" cy="2876951"/>
+          </a:xfrm>
+          <a:prstGeom prst="rect">
+            <a:avLst/>
+          </a:prstGeom>
+        </p:spPr>
+      </p:pic>
+      <p:pic>
+        <p:nvPicPr>
+          <p:cNvPr id="9" name="Картина 8"/>
+          <p:cNvPicPr>
+            <a:picLocks noChangeAspect="1"/>
+          </p:cNvPicPr>
+          <p:nvPr/>
+        </p:nvPicPr>
+        <p:blipFill>
+          <a:blip r:embed="rId4" cstate="print">
+            <a:extLst>
+              <a:ext uri="{28A0092B-C50C-407E-A947-70E740481C1C}">
+                <a14:useLocalDpi xmlns:a14="http://schemas.microsoft.com/office/drawing/2010/main" val="0"/>
+              </a:ext>
+            </a:extLst>
+          </a:blip>
+          <a:stretch>
+            <a:fillRect/>
+          </a:stretch>
+        </p:blipFill>
+        <p:spPr>
+          <a:xfrm rot="1422143">
+            <a:off x="8194254" y="3871538"/>
+            <a:ext cx="2856672" cy="2856672"/>
+          </a:xfrm>
+          <a:prstGeom prst="rect">
+            <a:avLst/>
+          </a:prstGeom>
+        </p:spPr>
+      </p:pic>
+    </p:spTree>
+    <p:extLst>
+      <p:ext uri="{BB962C8B-B14F-4D97-AF65-F5344CB8AC3E}">
+        <p14:creationId xmlns:p14="http://schemas.microsoft.com/office/powerpoint/2010/main" val="4049238436"/>
+      </p:ext>
+    </p:extLst>
+  </p:cSld>
+  <p:clrMapOvr>
+    <a:masterClrMapping/>
+  </p:clrMapOvr>
+</p:sld>
+</file>
+
+<file path=ppt/slides/slide20.xml><?xml version="1.0" encoding="utf-8"?>
+<p:sld xmlns:a="http://schemas.openxmlformats.org/drawingml/2006/main" xmlns:r="http://schemas.openxmlformats.org/officeDocument/2006/relationships" xmlns:p="http://schemas.openxmlformats.org/presentationml/2006/main">
+  <p:cSld>
+    <p:spTree>
+      <p:nvGrpSpPr>
+        <p:cNvPr id="1" name=""/>
+        <p:cNvGrpSpPr/>
+        <p:nvPr/>
+      </p:nvGrpSpPr>
+      <p:grpSpPr>
+        <a:xfrm>
+          <a:off x="0" y="0"/>
+          <a:ext cx="0" cy="0"/>
+          <a:chOff x="0" y="0"/>
+          <a:chExt cx="0" cy="0"/>
+        </a:xfrm>
+      </p:grpSpPr>
+      <p:sp>
+        <p:nvSpPr>
+          <p:cNvPr id="2" name="Заглавие 1"/>
+          <p:cNvSpPr>
+            <a:spLocks noGrp="1"/>
+          </p:cNvSpPr>
+          <p:nvPr>
+            <p:ph type="title"/>
+          </p:nvPr>
+        </p:nvSpPr>
+        <p:spPr/>
+        <p:txBody>
+          <a:bodyPr/>
+          <a:lstStyle/>
+          <a:p>
+            <a:r>
+              <a:rPr lang="en-US" dirty="0" err="1"/>
+              <a:t>Fragen</a:t>
+            </a:r>
+            <a:r>
+              <a:rPr lang="en-US" dirty="0"/>
+              <a:t> ?</a:t>
+            </a:r>
+            <a:endParaRPr lang="en-GB" dirty="0"/>
+          </a:p>
+        </p:txBody>
+      </p:sp>
+      <p:pic>
+        <p:nvPicPr>
+          <p:cNvPr id="4" name="Контейнер за съдържание 3"/>
+          <p:cNvPicPr>
+            <a:picLocks noGrp="1" noChangeAspect="1"/>
+          </p:cNvPicPr>
+          <p:nvPr>
+            <p:ph idx="1"/>
+          </p:nvPr>
+        </p:nvPicPr>
+        <p:blipFill>
+          <a:blip r:embed="rId2">
+            <a:extLst>
+              <a:ext uri="{28A0092B-C50C-407E-A947-70E740481C1C}">
+                <a14:useLocalDpi xmlns:a14="http://schemas.microsoft.com/office/drawing/2010/main" val="0"/>
+              </a:ext>
+            </a:extLst>
+          </a:blip>
+          <a:stretch>
+            <a:fillRect/>
+          </a:stretch>
+        </p:blipFill>
+        <p:spPr>
+          <a:xfrm>
+            <a:off x="3136193" y="2696777"/>
+            <a:ext cx="5958111" cy="2595314"/>
+          </a:xfrm>
+        </p:spPr>
+      </p:pic>
+    </p:spTree>
+    <p:extLst>
+      <p:ext uri="{BB962C8B-B14F-4D97-AF65-F5344CB8AC3E}">
+        <p14:creationId xmlns:p14="http://schemas.microsoft.com/office/powerpoint/2010/main" val="548655215"/>
+      </p:ext>
+    </p:extLst>
+  </p:cSld>
+  <p:clrMapOvr>
+    <a:masterClrMapping/>
+  </p:clrMapOvr>
+</p:sld>
+</file>
+
+<file path=ppt/slides/slide21.xml><?xml version="1.0" encoding="utf-8"?>
+<p:sld xmlns:a="http://schemas.openxmlformats.org/drawingml/2006/main" xmlns:r="http://schemas.openxmlformats.org/officeDocument/2006/relationships" xmlns:p="http://schemas.openxmlformats.org/presentationml/2006/main">
+  <p:cSld>
+    <p:spTree>
+      <p:nvGrpSpPr>
+        <p:cNvPr id="1" name=""/>
+        <p:cNvGrpSpPr/>
+        <p:nvPr/>
+      </p:nvGrpSpPr>
+      <p:grpSpPr>
+        <a:xfrm>
+          <a:off x="0" y="0"/>
+          <a:ext cx="0" cy="0"/>
+          <a:chOff x="0" y="0"/>
+          <a:chExt cx="0" cy="0"/>
+        </a:xfrm>
+      </p:grpSpPr>
+      <p:sp>
+        <p:nvSpPr>
+          <p:cNvPr id="2" name="Title 1"/>
+          <p:cNvSpPr>
+            <a:spLocks noGrp="1"/>
+          </p:cNvSpPr>
+          <p:nvPr>
+            <p:ph type="title"/>
+          </p:nvPr>
+        </p:nvSpPr>
+        <p:spPr>
+          <a:xfrm>
+            <a:off x="2313956" y="2933358"/>
+            <a:ext cx="8911687" cy="1280890"/>
+          </a:xfrm>
+        </p:spPr>
+        <p:txBody>
+          <a:bodyPr/>
+          <a:lstStyle/>
+          <a:p>
+            <a:pPr algn="ctr"/>
+            <a:r>
+              <a:rPr lang="de-DE" dirty="0"/>
+              <a:t>Vielen Dank für die Aufmerksamkeit!</a:t>
+            </a:r>
+            <a:endParaRPr lang="bg-BG" dirty="0"/>
+          </a:p>
+        </p:txBody>
+      </p:sp>
+    </p:spTree>
+    <p:extLst>
+      <p:ext uri="{BB962C8B-B14F-4D97-AF65-F5344CB8AC3E}">
+        <p14:creationId xmlns:p14="http://schemas.microsoft.com/office/powerpoint/2010/main" val="1751478351"/>
+      </p:ext>
+    </p:extLst>
+  </p:cSld>
+  <p:clrMapOvr>
+    <a:masterClrMapping/>
+  </p:clrMapOvr>
+</p:sld>
+</file>
+
+<file path=ppt/slides/slide3.xml><?xml version="1.0" encoding="utf-8"?>
+<p:sld xmlns:a="http://schemas.openxmlformats.org/drawingml/2006/main" xmlns:r="http://schemas.openxmlformats.org/officeDocument/2006/relationships" xmlns:p="http://schemas.openxmlformats.org/presentationml/2006/main">
+  <p:cSld>
+    <p:spTree>
+      <p:nvGrpSpPr>
+        <p:cNvPr id="1" name=""/>
+        <p:cNvGrpSpPr/>
+        <p:nvPr/>
+      </p:nvGrpSpPr>
+      <p:grpSpPr>
+        <a:xfrm>
+          <a:off x="0" y="0"/>
+          <a:ext cx="0" cy="0"/>
+          <a:chOff x="0" y="0"/>
+          <a:chExt cx="0" cy="0"/>
+        </a:xfrm>
+      </p:grpSpPr>
+      <p:sp>
+        <p:nvSpPr>
+          <p:cNvPr id="2" name="Заглавие 1"/>
+          <p:cNvSpPr>
+            <a:spLocks noGrp="1"/>
+          </p:cNvSpPr>
+          <p:nvPr>
+            <p:ph type="title"/>
+          </p:nvPr>
+        </p:nvSpPr>
+        <p:spPr/>
+        <p:txBody>
+          <a:bodyPr/>
+          <a:lstStyle/>
+          <a:p>
+            <a:r>
+              <a:rPr lang="en-US" dirty="0" err="1"/>
+              <a:t>Anmeldung</a:t>
+            </a:r>
+            <a:endParaRPr lang="en-GB" dirty="0"/>
+          </a:p>
+        </p:txBody>
+      </p:sp>
+      <p:sp>
+        <p:nvSpPr>
+          <p:cNvPr id="3" name="Контейнер за съдържание 2"/>
+          <p:cNvSpPr>
+            <a:spLocks noGrp="1"/>
+          </p:cNvSpPr>
+          <p:nvPr>
+            <p:ph idx="1"/>
+          </p:nvPr>
+        </p:nvSpPr>
+        <p:spPr/>
+        <p:txBody>
+          <a:bodyPr/>
+          <a:lstStyle/>
+          <a:p>
+            <a:r>
+              <a:rPr lang="en-US" dirty="0" err="1"/>
+              <a:t>Für</a:t>
+            </a:r>
+            <a:r>
+              <a:rPr lang="en-US" dirty="0"/>
+              <a:t> </a:t>
+            </a:r>
+            <a:r>
+              <a:rPr lang="en-US" dirty="0" err="1"/>
+              <a:t>nicht</a:t>
+            </a:r>
+            <a:r>
+              <a:rPr lang="en-US" dirty="0"/>
+              <a:t> </a:t>
+            </a:r>
+            <a:r>
+              <a:rPr lang="en-US" dirty="0" err="1"/>
+              <a:t>bestehende</a:t>
+            </a:r>
+            <a:r>
+              <a:rPr lang="en-US" dirty="0"/>
+              <a:t> </a:t>
+            </a:r>
+            <a:r>
+              <a:rPr lang="en-US" dirty="0" err="1"/>
+              <a:t>Benutzer</a:t>
+            </a:r>
+            <a:endParaRPr lang="en-US" dirty="0"/>
+          </a:p>
+          <a:p>
+            <a:r>
+              <a:rPr lang="en-US" dirty="0" err="1"/>
+              <a:t>Zukünftige</a:t>
+            </a:r>
+            <a:r>
+              <a:rPr lang="en-US" dirty="0"/>
+              <a:t> </a:t>
+            </a:r>
+            <a:r>
+              <a:rPr lang="en-US" dirty="0" err="1"/>
+              <a:t>Arbeit</a:t>
+            </a:r>
+            <a:endParaRPr lang="en-US" dirty="0"/>
+          </a:p>
+          <a:p>
+            <a:pPr lvl="1"/>
+            <a:r>
+              <a:rPr lang="en-US" dirty="0" err="1"/>
+              <a:t>Anmelden</a:t>
+            </a:r>
+            <a:r>
+              <a:rPr lang="en-US" dirty="0"/>
+              <a:t> </a:t>
+            </a:r>
+            <a:r>
+              <a:rPr lang="en-US" dirty="0" err="1"/>
+              <a:t>mit</a:t>
+            </a:r>
+            <a:r>
+              <a:rPr lang="en-US" dirty="0"/>
+              <a:t> Google, FB</a:t>
+            </a:r>
+            <a:endParaRPr lang="en-GB" dirty="0"/>
+          </a:p>
+        </p:txBody>
+      </p:sp>
+      <p:pic>
+        <p:nvPicPr>
+          <p:cNvPr id="5" name="Picture 28"/>
+          <p:cNvPicPr/>
+          <p:nvPr/>
+        </p:nvPicPr>
+        <p:blipFill>
+          <a:blip r:embed="rId2">
+            <a:extLst>
+              <a:ext uri="{28A0092B-C50C-407E-A947-70E740481C1C}">
+                <a14:useLocalDpi xmlns:a14="http://schemas.microsoft.com/office/drawing/2010/main" val="0"/>
+              </a:ext>
+            </a:extLst>
+          </a:blip>
+          <a:stretch>
+            <a:fillRect/>
+          </a:stretch>
+        </p:blipFill>
+        <p:spPr>
+          <a:xfrm>
+            <a:off x="6460490" y="1905000"/>
+            <a:ext cx="5731510" cy="3943985"/>
+          </a:xfrm>
+          <a:prstGeom prst="rect">
+            <a:avLst/>
+          </a:prstGeom>
+        </p:spPr>
+      </p:pic>
+    </p:spTree>
+    <p:extLst>
+      <p:ext uri="{BB962C8B-B14F-4D97-AF65-F5344CB8AC3E}">
+        <p14:creationId xmlns:p14="http://schemas.microsoft.com/office/powerpoint/2010/main" val="1930221782"/>
+      </p:ext>
+    </p:extLst>
+  </p:cSld>
+  <p:clrMapOvr>
+    <a:masterClrMapping/>
+  </p:clrMapOvr>
+</p:sld>
+</file>
+
+<file path=ppt/slides/slide4.xml><?xml version="1.0" encoding="utf-8"?>
+<p:sld xmlns:a="http://schemas.openxmlformats.org/drawingml/2006/main" xmlns:r="http://schemas.openxmlformats.org/officeDocument/2006/relationships" xmlns:p="http://schemas.openxmlformats.org/presentationml/2006/main">
+  <p:cSld>
+    <p:spTree>
+      <p:nvGrpSpPr>
+        <p:cNvPr id="1" name=""/>
+        <p:cNvGrpSpPr/>
+        <p:nvPr/>
+      </p:nvGrpSpPr>
+      <p:grpSpPr>
+        <a:xfrm>
+          <a:off x="0" y="0"/>
+          <a:ext cx="0" cy="0"/>
+          <a:chOff x="0" y="0"/>
+          <a:chExt cx="0" cy="0"/>
+        </a:xfrm>
+      </p:grpSpPr>
+      <p:sp>
+        <p:nvSpPr>
+          <p:cNvPr id="2" name="Заглавие 1"/>
+          <p:cNvSpPr>
+            <a:spLocks noGrp="1"/>
+          </p:cNvSpPr>
+          <p:nvPr>
+            <p:ph type="title"/>
+          </p:nvPr>
+        </p:nvSpPr>
+        <p:spPr/>
+        <p:txBody>
+          <a:bodyPr/>
+          <a:lstStyle/>
+          <a:p>
+            <a:r>
+              <a:rPr lang="en-US" dirty="0"/>
+              <a:t>Registration</a:t>
+            </a:r>
+            <a:endParaRPr lang="en-GB" dirty="0"/>
+          </a:p>
+        </p:txBody>
+      </p:sp>
+      <p:sp>
+        <p:nvSpPr>
+          <p:cNvPr id="3" name="Контейнер за съдържание 2"/>
+          <p:cNvSpPr>
+            <a:spLocks noGrp="1"/>
+          </p:cNvSpPr>
+          <p:nvPr>
+            <p:ph idx="1"/>
+          </p:nvPr>
+        </p:nvSpPr>
+        <p:spPr/>
+        <p:txBody>
+          <a:bodyPr/>
+          <a:lstStyle/>
+          <a:p>
+            <a:r>
+              <a:rPr lang="en-US" dirty="0" err="1"/>
+              <a:t>Für</a:t>
+            </a:r>
+            <a:r>
+              <a:rPr lang="en-US" dirty="0"/>
+              <a:t> </a:t>
+            </a:r>
+            <a:r>
+              <a:rPr lang="en-US" dirty="0" err="1"/>
+              <a:t>bestehende</a:t>
+            </a:r>
+            <a:r>
+              <a:rPr lang="en-US" dirty="0"/>
+              <a:t> </a:t>
+            </a:r>
+            <a:r>
+              <a:rPr lang="en-US" dirty="0" err="1"/>
+              <a:t>Benutzer</a:t>
+            </a:r>
+            <a:endParaRPr lang="en-US" dirty="0"/>
+          </a:p>
+          <a:p>
+            <a:r>
+              <a:rPr lang="en-US" dirty="0" err="1"/>
+              <a:t>Zukünftige</a:t>
+            </a:r>
+            <a:r>
+              <a:rPr lang="en-US" dirty="0"/>
+              <a:t> </a:t>
+            </a:r>
+            <a:r>
+              <a:rPr lang="en-US" dirty="0" err="1"/>
+              <a:t>Arbeit</a:t>
+            </a:r>
+            <a:endParaRPr lang="en-US" dirty="0"/>
+          </a:p>
+          <a:p>
+            <a:pPr lvl="1"/>
+            <a:r>
+              <a:rPr lang="en-US" dirty="0"/>
+              <a:t>Email </a:t>
+            </a:r>
+            <a:r>
+              <a:rPr lang="en-US" dirty="0" err="1"/>
+              <a:t>Bestätigung</a:t>
+            </a:r>
+            <a:endParaRPr lang="en-GB" dirty="0"/>
+          </a:p>
+        </p:txBody>
+      </p:sp>
+      <p:pic>
+        <p:nvPicPr>
+          <p:cNvPr id="4" name="Картина 3"/>
+          <p:cNvPicPr>
+            <a:picLocks noChangeAspect="1"/>
+          </p:cNvPicPr>
+          <p:nvPr/>
+        </p:nvPicPr>
+        <p:blipFill>
+          <a:blip r:embed="rId3"/>
+          <a:stretch>
+            <a:fillRect/>
+          </a:stretch>
+        </p:blipFill>
+        <p:spPr>
+          <a:xfrm>
+            <a:off x="6808305" y="850002"/>
+            <a:ext cx="4876800" cy="5495925"/>
+          </a:xfrm>
+          <a:prstGeom prst="rect">
+            <a:avLst/>
+          </a:prstGeom>
+        </p:spPr>
+      </p:pic>
+    </p:spTree>
+    <p:extLst>
+      <p:ext uri="{BB962C8B-B14F-4D97-AF65-F5344CB8AC3E}">
+        <p14:creationId xmlns:p14="http://schemas.microsoft.com/office/powerpoint/2010/main" val="619108662"/>
+      </p:ext>
+    </p:extLst>
+  </p:cSld>
+  <p:clrMapOvr>
+    <a:masterClrMapping/>
+  </p:clrMapOvr>
+</p:sld>
+</file>
+
+<file path=ppt/slides/slide5.xml><?xml version="1.0" encoding="utf-8"?>
+<p:sld xmlns:a="http://schemas.openxmlformats.org/drawingml/2006/main" xmlns:r="http://schemas.openxmlformats.org/officeDocument/2006/relationships" xmlns:p="http://schemas.openxmlformats.org/presentationml/2006/main">
+  <p:cSld>
+    <p:spTree>
+      <p:nvGrpSpPr>
+        <p:cNvPr id="1" name=""/>
+        <p:cNvGrpSpPr/>
+        <p:nvPr/>
+      </p:nvGrpSpPr>
+      <p:grpSpPr>
+        <a:xfrm>
+          <a:off x="0" y="0"/>
+          <a:ext cx="0" cy="0"/>
+          <a:chOff x="0" y="0"/>
+          <a:chExt cx="0" cy="0"/>
+        </a:xfrm>
+      </p:grpSpPr>
+      <p:sp>
+        <p:nvSpPr>
+          <p:cNvPr id="2" name="Заглавие 1"/>
+          <p:cNvSpPr>
+            <a:spLocks noGrp="1"/>
+          </p:cNvSpPr>
+          <p:nvPr>
+            <p:ph type="title"/>
+          </p:nvPr>
+        </p:nvSpPr>
+        <p:spPr/>
+        <p:txBody>
+          <a:bodyPr/>
+          <a:lstStyle/>
+          <a:p>
+            <a:r>
+              <a:rPr lang="en-US" dirty="0"/>
+              <a:t>Administration</a:t>
+            </a:r>
+            <a:endParaRPr lang="en-GB" dirty="0"/>
+          </a:p>
+        </p:txBody>
+      </p:sp>
+      <p:sp>
+        <p:nvSpPr>
+          <p:cNvPr id="3" name="Контейнер за съдържание 2"/>
+          <p:cNvSpPr>
+            <a:spLocks noGrp="1"/>
+          </p:cNvSpPr>
+          <p:nvPr>
+            <p:ph idx="1"/>
+          </p:nvPr>
+        </p:nvSpPr>
+        <p:spPr/>
+        <p:txBody>
+          <a:bodyPr/>
+          <a:lstStyle/>
+          <a:p>
+            <a:r>
+              <a:rPr lang="en-US" dirty="0" err="1"/>
+              <a:t>Benutzer</a:t>
+            </a:r>
+            <a:endParaRPr lang="en-US" dirty="0"/>
+          </a:p>
+          <a:p>
+            <a:r>
+              <a:rPr lang="en-GB" dirty="0" err="1"/>
+              <a:t>Kartenvorlage</a:t>
+            </a:r>
+            <a:endParaRPr lang="en-GB" dirty="0"/>
+          </a:p>
+          <a:p>
+            <a:r>
+              <a:rPr lang="en-US" dirty="0" err="1"/>
+              <a:t>Karten</a:t>
+            </a:r>
+            <a:endParaRPr lang="en-US" dirty="0"/>
+          </a:p>
+          <a:p>
+            <a:r>
+              <a:rPr lang="en-US" dirty="0" err="1"/>
+              <a:t>Besuche</a:t>
+            </a:r>
+            <a:r>
+              <a:rPr lang="en-US" dirty="0"/>
+              <a:t> der </a:t>
+            </a:r>
+            <a:r>
+              <a:rPr lang="en-US" dirty="0" err="1"/>
+              <a:t>Benutzer</a:t>
+            </a:r>
+            <a:endParaRPr lang="en-GB" dirty="0"/>
+          </a:p>
+        </p:txBody>
+      </p:sp>
+      <p:pic>
+        <p:nvPicPr>
+          <p:cNvPr id="1026" name="Picture 2" descr="https://www.asme.org/getmedia/01a9ac44-ace6-41d1-81bc-e3d10ffdb268/journal_admin.aspx"/>
+          <p:cNvPicPr>
+            <a:picLocks noChangeAspect="1" noChangeArrowheads="1"/>
+          </p:cNvPicPr>
+          <p:nvPr/>
+        </p:nvPicPr>
+        <p:blipFill>
+          <a:blip r:embed="rId2">
+            <a:extLst>
+              <a:ext uri="{28A0092B-C50C-407E-A947-70E740481C1C}">
+                <a14:useLocalDpi xmlns:a14="http://schemas.microsoft.com/office/drawing/2010/main" val="0"/>
+              </a:ext>
+            </a:extLst>
+          </a:blip>
+          <a:srcRect/>
+          <a:stretch>
+            <a:fillRect/>
+          </a:stretch>
+        </p:blipFill>
+        <p:spPr bwMode="auto">
+          <a:xfrm>
+            <a:off x="6970712" y="2047115"/>
+            <a:ext cx="4533900" cy="3400426"/>
+          </a:xfrm>
+          <a:prstGeom prst="rect">
+            <a:avLst/>
+          </a:prstGeom>
+          <a:noFill/>
+          <a:extLst>
+            <a:ext uri="{909E8E84-426E-40DD-AFC4-6F175D3DCCD1}">
+              <a14:hiddenFill xmlns:a14="http://schemas.microsoft.com/office/drawing/2010/main">
+                <a:solidFill>
+                  <a:srgbClr val="FFFFFF"/>
+                </a:solidFill>
+              </a14:hiddenFill>
+            </a:ext>
+          </a:extLst>
+        </p:spPr>
+      </p:pic>
+    </p:spTree>
+    <p:extLst>
+      <p:ext uri="{BB962C8B-B14F-4D97-AF65-F5344CB8AC3E}">
+        <p14:creationId xmlns:p14="http://schemas.microsoft.com/office/powerpoint/2010/main" val="954714969"/>
+      </p:ext>
+    </p:extLst>
+  </p:cSld>
+  <p:clrMapOvr>
+    <a:masterClrMapping/>
+  </p:clrMapOvr>
+</p:sld>
+</file>
+
+<file path=ppt/slides/slide6.xml><?xml version="1.0" encoding="utf-8"?>
+<p:sld xmlns:a="http://schemas.openxmlformats.org/drawingml/2006/main" xmlns:r="http://schemas.openxmlformats.org/officeDocument/2006/relationships" xmlns:p="http://schemas.openxmlformats.org/presentationml/2006/main">
+  <p:cSld>
+    <p:spTree>
+      <p:nvGrpSpPr>
+        <p:cNvPr id="1" name=""/>
+        <p:cNvGrpSpPr/>
+        <p:nvPr/>
+      </p:nvGrpSpPr>
+      <p:grpSpPr>
+        <a:xfrm>
+          <a:off x="0" y="0"/>
+          <a:ext cx="0" cy="0"/>
+          <a:chOff x="0" y="0"/>
+          <a:chExt cx="0" cy="0"/>
+        </a:xfrm>
+      </p:grpSpPr>
+      <p:sp>
+        <p:nvSpPr>
+          <p:cNvPr id="2" name="Заглавие 1"/>
+          <p:cNvSpPr>
+            <a:spLocks noGrp="1"/>
+          </p:cNvSpPr>
+          <p:nvPr>
+            <p:ph type="title"/>
+          </p:nvPr>
+        </p:nvSpPr>
+        <p:spPr/>
+        <p:txBody>
+          <a:bodyPr/>
+          <a:lstStyle/>
+          <a:p>
+            <a:r>
+              <a:rPr lang="en-GB" dirty="0" err="1"/>
+              <a:t>Kartenvorlage</a:t>
+            </a:r>
+            <a:endParaRPr lang="en-GB" dirty="0"/>
+          </a:p>
+        </p:txBody>
+      </p:sp>
+      <p:pic>
+        <p:nvPicPr>
+          <p:cNvPr id="4" name="Picture 20"/>
+          <p:cNvPicPr/>
+          <p:nvPr/>
+        </p:nvPicPr>
+        <p:blipFill>
+          <a:blip r:embed="rId2">
+            <a:extLst>
+              <a:ext uri="{28A0092B-C50C-407E-A947-70E740481C1C}">
+                <a14:useLocalDpi xmlns:a14="http://schemas.microsoft.com/office/drawing/2010/main" val="0"/>
+              </a:ext>
+            </a:extLst>
+          </a:blip>
+          <a:stretch>
+            <a:fillRect/>
+          </a:stretch>
+        </p:blipFill>
+        <p:spPr>
+          <a:xfrm>
+            <a:off x="2592924" y="1905000"/>
+            <a:ext cx="6869127" cy="4495800"/>
+          </a:xfrm>
+          <a:prstGeom prst="rect">
+            <a:avLst/>
+          </a:prstGeom>
+        </p:spPr>
+      </p:pic>
+    </p:spTree>
+    <p:extLst>
+      <p:ext uri="{BB962C8B-B14F-4D97-AF65-F5344CB8AC3E}">
+        <p14:creationId xmlns:p14="http://schemas.microsoft.com/office/powerpoint/2010/main" val="2213803077"/>
+      </p:ext>
+    </p:extLst>
+  </p:cSld>
+  <p:clrMapOvr>
+    <a:masterClrMapping/>
+  </p:clrMapOvr>
+</p:sld>
+</file>
+
+<file path=ppt/slides/slide7.xml><?xml version="1.0" encoding="utf-8"?>
+<p:sld xmlns:a="http://schemas.openxmlformats.org/drawingml/2006/main" xmlns:r="http://schemas.openxmlformats.org/officeDocument/2006/relationships" xmlns:p="http://schemas.openxmlformats.org/presentationml/2006/main">
+  <p:cSld>
+    <p:spTree>
+      <p:nvGrpSpPr>
+        <p:cNvPr id="1" name=""/>
+        <p:cNvGrpSpPr/>
+        <p:nvPr/>
+      </p:nvGrpSpPr>
+      <p:grpSpPr>
+        <a:xfrm>
+          <a:off x="0" y="0"/>
+          <a:ext cx="0" cy="0"/>
+          <a:chOff x="0" y="0"/>
+          <a:chExt cx="0" cy="0"/>
+        </a:xfrm>
+      </p:grpSpPr>
+      <p:sp>
+        <p:nvSpPr>
+          <p:cNvPr id="2" name="Заглавие 1"/>
+          <p:cNvSpPr>
+            <a:spLocks noGrp="1"/>
+          </p:cNvSpPr>
+          <p:nvPr>
+            <p:ph type="title"/>
+          </p:nvPr>
+        </p:nvSpPr>
+        <p:spPr/>
+        <p:txBody>
+          <a:bodyPr/>
+          <a:lstStyle/>
+          <a:p>
+            <a:r>
+              <a:rPr lang="en-US" dirty="0" err="1"/>
+              <a:t>Karten</a:t>
+            </a:r>
+            <a:endParaRPr lang="en-GB" dirty="0"/>
+          </a:p>
+        </p:txBody>
+      </p:sp>
+      <p:pic>
+        <p:nvPicPr>
+          <p:cNvPr id="4" name="Картина 3"/>
+          <p:cNvPicPr>
+            <a:picLocks noChangeAspect="1"/>
+          </p:cNvPicPr>
+          <p:nvPr/>
+        </p:nvPicPr>
+        <p:blipFill>
+          <a:blip r:embed="rId2"/>
+          <a:stretch>
+            <a:fillRect/>
+          </a:stretch>
+        </p:blipFill>
+        <p:spPr>
+          <a:xfrm>
+            <a:off x="2592925" y="1543557"/>
+            <a:ext cx="8242193" cy="4816502"/>
+          </a:xfrm>
+          <a:prstGeom prst="rect">
+            <a:avLst/>
+          </a:prstGeom>
+        </p:spPr>
+      </p:pic>
+    </p:spTree>
+    <p:extLst>
+      <p:ext uri="{BB962C8B-B14F-4D97-AF65-F5344CB8AC3E}">
+        <p14:creationId xmlns:p14="http://schemas.microsoft.com/office/powerpoint/2010/main" val="3249173773"/>
+      </p:ext>
+    </p:extLst>
+  </p:cSld>
+  <p:clrMapOvr>
+    <a:masterClrMapping/>
+  </p:clrMapOvr>
+</p:sld>
+</file>
+
+<file path=ppt/slides/slide8.xml><?xml version="1.0" encoding="utf-8"?>
+<p:sld xmlns:a="http://schemas.openxmlformats.org/drawingml/2006/main" xmlns:r="http://schemas.openxmlformats.org/officeDocument/2006/relationships" xmlns:p="http://schemas.openxmlformats.org/presentationml/2006/main">
+  <p:cSld>
+    <p:spTree>
+      <p:nvGrpSpPr>
+        <p:cNvPr id="1" name=""/>
+        <p:cNvGrpSpPr/>
+        <p:nvPr/>
+      </p:nvGrpSpPr>
+      <p:grpSpPr>
+        <a:xfrm>
+          <a:off x="0" y="0"/>
+          <a:ext cx="0" cy="0"/>
+          <a:chOff x="0" y="0"/>
+          <a:chExt cx="0" cy="0"/>
+        </a:xfrm>
+      </p:grpSpPr>
+      <p:sp>
+        <p:nvSpPr>
+          <p:cNvPr id="2" name="Title 1"/>
+          <p:cNvSpPr>
+            <a:spLocks noGrp="1"/>
+          </p:cNvSpPr>
+          <p:nvPr>
+            <p:ph type="title"/>
+          </p:nvPr>
+        </p:nvSpPr>
+        <p:spPr/>
+        <p:txBody>
+          <a:bodyPr/>
+          <a:lstStyle/>
+          <a:p>
+            <a:r>
+              <a:rPr lang="en-US" dirty="0"/>
+              <a:t>Die </a:t>
+            </a:r>
+            <a:r>
+              <a:rPr lang="en-US" dirty="0" err="1"/>
+              <a:t>Architectur</a:t>
+            </a:r>
+            <a:endParaRPr lang="bg-BG" dirty="0"/>
+          </a:p>
+        </p:txBody>
+      </p:sp>
+      <p:sp>
+        <p:nvSpPr>
+          <p:cNvPr id="3" name="Content Placeholder 2"/>
+          <p:cNvSpPr>
+            <a:spLocks noGrp="1"/>
+          </p:cNvSpPr>
+          <p:nvPr>
+            <p:ph idx="1"/>
+          </p:nvPr>
+        </p:nvSpPr>
+        <p:spPr/>
+        <p:txBody>
+          <a:bodyPr/>
+          <a:lstStyle/>
+          <a:p>
+            <a:r>
+              <a:rPr lang="en-US" dirty="0"/>
+              <a:t>N-tier </a:t>
+            </a:r>
+            <a:r>
+              <a:rPr lang="en-US" dirty="0" err="1"/>
+              <a:t>Anwendung</a:t>
+            </a:r>
+            <a:endParaRPr lang="en-US" dirty="0"/>
+          </a:p>
+          <a:p>
+            <a:pPr lvl="1"/>
+            <a:r>
+              <a:rPr lang="en-US" dirty="0" err="1"/>
+              <a:t>Präsentationslogik</a:t>
+            </a:r>
+            <a:r>
+              <a:rPr lang="en-US" dirty="0"/>
+              <a:t> -&gt; SPA </a:t>
+            </a:r>
+            <a:r>
+              <a:rPr lang="en-US" dirty="0" err="1"/>
+              <a:t>durch</a:t>
+            </a:r>
+            <a:r>
+              <a:rPr lang="en-US" dirty="0"/>
+              <a:t> Angular 2</a:t>
+            </a:r>
+          </a:p>
+          <a:p>
+            <a:pPr lvl="1"/>
+            <a:r>
+              <a:rPr lang="en-US" dirty="0" err="1"/>
+              <a:t>Anwendungslogik</a:t>
+            </a:r>
+            <a:r>
+              <a:rPr lang="en-US" dirty="0"/>
+              <a:t>-&gt; </a:t>
+            </a:r>
+            <a:r>
+              <a:rPr lang="en-US" dirty="0" err="1"/>
+              <a:t>.Net</a:t>
+            </a:r>
+            <a:r>
+              <a:rPr lang="en-US" dirty="0"/>
+              <a:t> Core &amp; </a:t>
+            </a:r>
+            <a:r>
+              <a:rPr lang="en-US" dirty="0" err="1"/>
+              <a:t>ASP.Net</a:t>
+            </a:r>
+            <a:r>
+              <a:rPr lang="en-US" dirty="0"/>
+              <a:t> Core &amp; EF Core</a:t>
+            </a:r>
+          </a:p>
+          <a:p>
+            <a:pPr lvl="1"/>
+            <a:r>
+              <a:rPr lang="en-US" dirty="0" err="1"/>
+              <a:t>Datenlogik</a:t>
+            </a:r>
+            <a:r>
+              <a:rPr lang="en-US" dirty="0"/>
+              <a:t> – EF core </a:t>
+            </a:r>
+            <a:r>
+              <a:rPr lang="en-US" dirty="0" err="1"/>
+              <a:t>unterstützte</a:t>
+            </a:r>
+            <a:r>
+              <a:rPr lang="en-US" dirty="0"/>
+              <a:t> </a:t>
+            </a:r>
+            <a:r>
+              <a:rPr lang="en-US" dirty="0" err="1"/>
+              <a:t>Datenbanken</a:t>
+            </a:r>
+            <a:endParaRPr lang="en-US" dirty="0"/>
+          </a:p>
+        </p:txBody>
+      </p:sp>
+      <p:pic>
+        <p:nvPicPr>
+          <p:cNvPr id="6" name="Картина 5"/>
+          <p:cNvPicPr>
+            <a:picLocks noChangeAspect="1"/>
+          </p:cNvPicPr>
+          <p:nvPr/>
+        </p:nvPicPr>
+        <p:blipFill>
+          <a:blip r:embed="rId3">
+            <a:extLst>
+              <a:ext uri="{28A0092B-C50C-407E-A947-70E740481C1C}">
+                <a14:useLocalDpi xmlns:a14="http://schemas.microsoft.com/office/drawing/2010/main" val="0"/>
+              </a:ext>
+            </a:extLst>
+          </a:blip>
+          <a:stretch>
+            <a:fillRect/>
+          </a:stretch>
+        </p:blipFill>
+        <p:spPr>
+          <a:xfrm>
+            <a:off x="4847863" y="3508810"/>
+            <a:ext cx="5282964" cy="3113800"/>
+          </a:xfrm>
+          <a:prstGeom prst="rect">
+            <a:avLst/>
+          </a:prstGeom>
+        </p:spPr>
+      </p:pic>
+    </p:spTree>
+    <p:extLst>
+      <p:ext uri="{BB962C8B-B14F-4D97-AF65-F5344CB8AC3E}">
+        <p14:creationId xmlns:p14="http://schemas.microsoft.com/office/powerpoint/2010/main" val="2082025723"/>
+      </p:ext>
+    </p:extLst>
+  </p:cSld>
+  <p:clrMapOvr>
+    <a:masterClrMapping/>
+  </p:clrMapOvr>
+</p:sld>
+</file>
+
+<file path=ppt/slides/slide9.xml><?xml version="1.0" encoding="utf-8"?>
+<p:sld xmlns:a="http://schemas.openxmlformats.org/drawingml/2006/main" xmlns:r="http://schemas.openxmlformats.org/officeDocument/2006/relationships" xmlns:p="http://schemas.openxmlformats.org/presentationml/2006/main">
+  <p:cSld>
+    <p:spTree>
+      <p:nvGrpSpPr>
+        <p:cNvPr id="1" name=""/>
+        <p:cNvGrpSpPr/>
+        <p:nvPr/>
+      </p:nvGrpSpPr>
+      <p:grpSpPr>
+        <a:xfrm>
+          <a:off x="0" y="0"/>
+          <a:ext cx="0" cy="0"/>
+          <a:chOff x="0" y="0"/>
+          <a:chExt cx="0" cy="0"/>
+        </a:xfrm>
+      </p:grpSpPr>
+      <p:sp>
+        <p:nvSpPr>
+          <p:cNvPr id="2" name="Title 1"/>
+          <p:cNvSpPr>
+            <a:spLocks noGrp="1"/>
+          </p:cNvSpPr>
+          <p:nvPr>
+            <p:ph type="title"/>
+          </p:nvPr>
+        </p:nvSpPr>
+        <p:spPr/>
+        <p:txBody>
+          <a:bodyPr/>
+          <a:lstStyle/>
+          <a:p>
+            <a:r>
+              <a:rPr lang="en-US" dirty="0" err="1"/>
+              <a:t>PräsentationslogikSchicht</a:t>
+            </a:r>
+            <a:endParaRPr lang="bg-BG" dirty="0"/>
+          </a:p>
+        </p:txBody>
+      </p:sp>
+      <p:sp>
+        <p:nvSpPr>
+          <p:cNvPr id="3" name="Content Placeholder 2"/>
+          <p:cNvSpPr>
+            <a:spLocks noGrp="1"/>
+          </p:cNvSpPr>
+          <p:nvPr>
+            <p:ph idx="1"/>
+          </p:nvPr>
+        </p:nvSpPr>
+        <p:spPr/>
+        <p:txBody>
+          <a:bodyPr/>
+          <a:lstStyle/>
+          <a:p>
+            <a:r>
+              <a:rPr lang="de-DE" dirty="0" err="1"/>
+              <a:t>Spa</a:t>
+            </a:r>
+            <a:r>
+              <a:rPr lang="de-DE" dirty="0"/>
+              <a:t> Anwendungen</a:t>
+            </a:r>
+          </a:p>
+          <a:p>
+            <a:pPr lvl="1"/>
+            <a:r>
+              <a:rPr lang="de-DE" dirty="0"/>
+              <a:t>In Browser</a:t>
+            </a:r>
+          </a:p>
+          <a:p>
+            <a:pPr lvl="2"/>
+            <a:r>
+              <a:rPr lang="de-DE" dirty="0"/>
+              <a:t>Angular2 bietet die MVC Framework</a:t>
+            </a:r>
+          </a:p>
+          <a:p>
+            <a:pPr lvl="2"/>
+            <a:r>
+              <a:rPr lang="de-DE" dirty="0"/>
+              <a:t>Seiten sind nicht neu geladen</a:t>
+            </a:r>
+          </a:p>
+          <a:p>
+            <a:pPr lvl="1"/>
+            <a:r>
+              <a:rPr lang="de-DE" dirty="0"/>
+              <a:t>Kommunikation durch REST-Services (CRUD)</a:t>
+            </a:r>
+          </a:p>
+          <a:p>
+            <a:pPr lvl="1"/>
+            <a:r>
+              <a:rPr lang="de-DE" dirty="0" err="1"/>
+              <a:t>ZustandsManagement</a:t>
+            </a:r>
+            <a:endParaRPr lang="de-DE" dirty="0"/>
+          </a:p>
+          <a:p>
+            <a:pPr lvl="1"/>
+            <a:r>
+              <a:rPr lang="de-DE" dirty="0"/>
+              <a:t>Kann als mobile Anwendung gebaut werden</a:t>
+            </a:r>
+          </a:p>
+          <a:p>
+            <a:pPr lvl="1"/>
+            <a:endParaRPr lang="de-DE" dirty="0"/>
+          </a:p>
+          <a:p>
+            <a:pPr lvl="1"/>
+            <a:endParaRPr lang="de-DE" dirty="0"/>
+          </a:p>
+          <a:p>
+            <a:pPr lvl="1"/>
+            <a:endParaRPr lang="de-DE" dirty="0"/>
+          </a:p>
+        </p:txBody>
+      </p:sp>
+      <p:pic>
+        <p:nvPicPr>
+          <p:cNvPr id="6" name="Картина 5"/>
+          <p:cNvPicPr>
+            <a:picLocks noChangeAspect="1"/>
+          </p:cNvPicPr>
+          <p:nvPr/>
+        </p:nvPicPr>
+        <p:blipFill>
+          <a:blip r:embed="rId3">
+            <a:extLst>
+              <a:ext uri="{28A0092B-C50C-407E-A947-70E740481C1C}">
+                <a14:useLocalDpi xmlns:a14="http://schemas.microsoft.com/office/drawing/2010/main" val="0"/>
+              </a:ext>
+            </a:extLst>
+          </a:blip>
+          <a:stretch>
+            <a:fillRect/>
+          </a:stretch>
+        </p:blipFill>
+        <p:spPr>
+          <a:xfrm>
+            <a:off x="1626898" y="4973438"/>
+            <a:ext cx="3143583" cy="1886150"/>
+          </a:xfrm>
+          <a:prstGeom prst="rect">
+            <a:avLst/>
+          </a:prstGeom>
+        </p:spPr>
+      </p:pic>
+      <p:pic>
+        <p:nvPicPr>
+          <p:cNvPr id="8" name="Картина 7"/>
+          <p:cNvPicPr>
+            <a:picLocks noChangeAspect="1"/>
+          </p:cNvPicPr>
+          <p:nvPr/>
+        </p:nvPicPr>
+        <p:blipFill>
+          <a:blip r:embed="rId4" cstate="print">
+            <a:extLst>
+              <a:ext uri="{28A0092B-C50C-407E-A947-70E740481C1C}">
+                <a14:useLocalDpi xmlns:a14="http://schemas.microsoft.com/office/drawing/2010/main" val="0"/>
+              </a:ext>
+            </a:extLst>
+          </a:blip>
+          <a:stretch>
+            <a:fillRect/>
+          </a:stretch>
+        </p:blipFill>
+        <p:spPr>
+          <a:xfrm>
+            <a:off x="5036595" y="5024371"/>
+            <a:ext cx="2613991" cy="1254716"/>
+          </a:xfrm>
+          <a:prstGeom prst="rect">
+            <a:avLst/>
+          </a:prstGeom>
+        </p:spPr>
+      </p:pic>
+      <p:pic>
+        <p:nvPicPr>
+          <p:cNvPr id="9" name="Картина 8"/>
+          <p:cNvPicPr>
+            <a:picLocks noChangeAspect="1"/>
+          </p:cNvPicPr>
+          <p:nvPr/>
+        </p:nvPicPr>
+        <p:blipFill>
+          <a:blip r:embed="rId5">
+            <a:extLst>
+              <a:ext uri="{28A0092B-C50C-407E-A947-70E740481C1C}">
+                <a14:useLocalDpi xmlns:a14="http://schemas.microsoft.com/office/drawing/2010/main" val="0"/>
+              </a:ext>
+            </a:extLst>
+          </a:blip>
+          <a:stretch>
+            <a:fillRect/>
+          </a:stretch>
+        </p:blipFill>
+        <p:spPr>
+          <a:xfrm>
+            <a:off x="8013823" y="5300653"/>
+            <a:ext cx="3620207" cy="978434"/>
+          </a:xfrm>
+          <a:prstGeom prst="rect">
+            <a:avLst/>
+          </a:prstGeom>
+        </p:spPr>
+      </p:pic>
+    </p:spTree>
+    <p:extLst>
+      <p:ext uri="{BB962C8B-B14F-4D97-AF65-F5344CB8AC3E}">
+        <p14:creationId xmlns:p14="http://schemas.microsoft.com/office/powerpoint/2010/main" val="1451576535"/>
       </p:ext>
     </p:extLst>
   </p:cSld>
